--- a/results/figures/pptx/impact_work.pptx
+++ b/results/figures/pptx/impact_work.pptx
@@ -2223,9 +2223,9 @@
         <p:grpSpPr>
           <a:xfrm>
             <a:off x="457200" y="914400"/>
-            <a:ext cx="5486400" cy="9144000"/>
+            <a:ext cx="8229600" cy="5486400"/>
             <a:chOff x="457200" y="914400"/>
-            <a:chExt cx="5486400" cy="9144000"/>
+            <a:chExt cx="8229600" cy="5486400"/>
           </a:xfrm>
         </p:grpSpPr>
         <p:sp>
@@ -2237,7 +2237,7 @@
           <p:spPr>
             <a:xfrm>
               <a:off x="457200" y="914400"/>
-              <a:ext cx="5486400" cy="9144000"/>
+              <a:ext cx="8229600" cy="5486400"/>
             </a:xfrm>
             <a:prstGeom prst="rect">
               <a:avLst/>
@@ -2271,26 +2271,17 @@
           </p:nvSpPr>
           <p:spPr>
             <a:xfrm>
-              <a:off x="457200" y="914400"/>
-              <a:ext cx="5486399" cy="9143999"/>
+              <a:off x="1217320" y="5057789"/>
+              <a:ext cx="657606" cy="168412"/>
             </a:xfrm>
             <a:prstGeom prst="rect">
               <a:avLst/>
             </a:prstGeom>
             <a:solidFill>
-              <a:srgbClr val="FFFFFF">
+              <a:srgbClr val="B0BEC5">
                 <a:alpha val="100000"/>
               </a:srgbClr>
             </a:solidFill>
-            <a:ln w="13550" cap="rnd">
-              <a:solidFill>
-                <a:srgbClr val="FFFFFF">
-                  <a:alpha val="100000"/>
-                </a:srgbClr>
-              </a:solidFill>
-              <a:prstDash val="solid"/>
-              <a:round/>
-            </a:ln>
           </p:spPr>
           <p:txBody>
             <a:bodyPr/>
@@ -2306,14 +2297,14 @@
           </p:nvSpPr>
           <p:spPr>
             <a:xfrm>
-              <a:off x="1244279" y="3395792"/>
-              <a:ext cx="1009147" cy="1406935"/>
+              <a:off x="1947994" y="3598215"/>
+              <a:ext cx="657606" cy="1627985"/>
             </a:xfrm>
             <a:prstGeom prst="rect">
               <a:avLst/>
             </a:prstGeom>
             <a:solidFill>
-              <a:srgbClr val="2196F3">
+              <a:srgbClr val="FFC107">
                 <a:alpha val="100000"/>
               </a:srgbClr>
             </a:solidFill>
@@ -2332,60 +2323,8 @@
           </p:nvSpPr>
           <p:spPr>
             <a:xfrm>
-              <a:off x="2365554" y="2425492"/>
-              <a:ext cx="1009147" cy="2377235"/>
-            </a:xfrm>
-            <a:prstGeom prst="rect">
-              <a:avLst/>
-            </a:prstGeom>
-            <a:solidFill>
-              <a:srgbClr val="87B537">
-                <a:alpha val="100000"/>
-              </a:srgbClr>
-            </a:solidFill>
-          </p:spPr>
-          <p:txBody>
-            <a:bodyPr/>
-            <a:lstStyle/>
-            <a:p/>
-          </p:txBody>
-        </p:sp>
-        <p:sp>
-          <p:nvSpPr>
-            <p:cNvPr id="7" name="rc7"/>
-            <p:cNvSpPr/>
-            <p:nvPr/>
-          </p:nvSpPr>
-          <p:spPr>
-            <a:xfrm>
-              <a:off x="3486829" y="4366092"/>
-              <a:ext cx="1009147" cy="436635"/>
-            </a:xfrm>
-            <a:prstGeom prst="rect">
-              <a:avLst/>
-            </a:prstGeom>
-            <a:solidFill>
-              <a:srgbClr val="BD5A77">
-                <a:alpha val="100000"/>
-              </a:srgbClr>
-            </a:solidFill>
-          </p:spPr>
-          <p:txBody>
-            <a:bodyPr/>
-            <a:lstStyle/>
-            <a:p/>
-          </p:txBody>
-        </p:sp>
-        <p:sp>
-          <p:nvSpPr>
-            <p:cNvPr id="8" name="rc8"/>
-            <p:cNvSpPr/>
-            <p:nvPr/>
-          </p:nvSpPr>
-          <p:spPr>
-            <a:xfrm>
-              <a:off x="4608104" y="4657182"/>
-              <a:ext cx="1009147" cy="145545"/>
+              <a:off x="2678668" y="2475466"/>
+              <a:ext cx="657606" cy="2750734"/>
             </a:xfrm>
             <a:prstGeom prst="rect">
               <a:avLst/>
@@ -2404,14 +2343,40 @@
         </p:sp>
         <p:sp>
           <p:nvSpPr>
-            <p:cNvPr id="9" name="tx9"/>
-            <p:cNvSpPr/>
-            <p:nvPr/>
-          </p:nvSpPr>
-          <p:spPr>
-            <a:xfrm>
-              <a:off x="1648370" y="2808803"/>
-              <a:ext cx="200965" cy="132065"/>
+            <p:cNvPr id="7" name="rc7"/>
+            <p:cNvSpPr/>
+            <p:nvPr/>
+          </p:nvSpPr>
+          <p:spPr>
+            <a:xfrm>
+              <a:off x="3409341" y="4720964"/>
+              <a:ext cx="657606" cy="505237"/>
+            </a:xfrm>
+            <a:prstGeom prst="rect">
+              <a:avLst/>
+            </a:prstGeom>
+            <a:solidFill>
+              <a:srgbClr val="4CAF50">
+                <a:alpha val="100000"/>
+              </a:srgbClr>
+            </a:solidFill>
+          </p:spPr>
+          <p:txBody>
+            <a:bodyPr/>
+            <a:lstStyle/>
+            <a:p/>
+          </p:txBody>
+        </p:sp>
+        <p:sp>
+          <p:nvSpPr>
+            <p:cNvPr id="8" name="tx8"/>
+            <p:cNvSpPr/>
+            <p:nvPr/>
+          </p:nvSpPr>
+          <p:spPr>
+            <a:xfrm>
+              <a:off x="1505930" y="4588127"/>
+              <a:ext cx="80386" cy="105723"/>
             </a:xfrm>
             <a:prstGeom prst="rect">
               <a:avLst/>
@@ -2424,7 +2389,7 @@
             <a:p>
               <a:pPr algn="l" marL="0" marR="0" indent="0">
                 <a:lnSpc>
-                  <a:spcPts val="1422"/>
+                  <a:spcPts val="1138"/>
                 </a:lnSpc>
                 <a:spcBef>
                   <a:spcPts val="0"/>
@@ -2434,7 +2399,99 @@
                 </a:spcAft>
               </a:pPr>
               <a:r>
-                <a:rPr sz="1422">
+                <a:rPr sz="1138">
+                  <a:solidFill>
+                    <a:srgbClr val="000000">
+                      <a:alpha val="100000"/>
+                    </a:srgbClr>
+                  </a:solidFill>
+                  <a:latin typeface="Arial"/>
+                  <a:cs typeface="Arial"/>
+                </a:rPr>
+                <a:t>3</a:t>
+              </a:r>
+            </a:p>
+          </p:txBody>
+        </p:sp>
+        <p:sp>
+          <p:nvSpPr>
+            <p:cNvPr id="9" name="tx9"/>
+            <p:cNvSpPr/>
+            <p:nvPr/>
+          </p:nvSpPr>
+          <p:spPr>
+            <a:xfrm>
+              <a:off x="1393538" y="4766340"/>
+              <a:ext cx="305171" cy="135647"/>
+            </a:xfrm>
+            <a:prstGeom prst="rect">
+              <a:avLst/>
+            </a:prstGeom>
+            <a:noFill/>
+          </p:spPr>
+          <p:txBody>
+            <a:bodyPr lIns="0" rIns="0" tIns="0" bIns="0" anchorCtr="1" anchor="ctr" wrap="none"/>
+            <a:lstStyle/>
+            <a:p>
+              <a:pPr algn="l" marL="0" marR="0" indent="0">
+                <a:lnSpc>
+                  <a:spcPts val="1138"/>
+                </a:lnSpc>
+                <a:spcBef>
+                  <a:spcPts val="0"/>
+                </a:spcBef>
+                <a:spcAft>
+                  <a:spcPts val="0"/>
+                </a:spcAft>
+              </a:pPr>
+              <a:r>
+                <a:rPr sz="1138">
+                  <a:solidFill>
+                    <a:srgbClr val="000000">
+                      <a:alpha val="100000"/>
+                    </a:srgbClr>
+                  </a:solidFill>
+                  <a:latin typeface="Arial"/>
+                  <a:cs typeface="Arial"/>
+                </a:rPr>
+                <a:t>(3%)</a:t>
+              </a:r>
+            </a:p>
+          </p:txBody>
+        </p:sp>
+        <p:sp>
+          <p:nvSpPr>
+            <p:cNvPr id="10" name="tx10"/>
+            <p:cNvSpPr/>
+            <p:nvPr/>
+          </p:nvSpPr>
+          <p:spPr>
+            <a:xfrm>
+              <a:off x="2196411" y="3128624"/>
+              <a:ext cx="160772" cy="105652"/>
+            </a:xfrm>
+            <a:prstGeom prst="rect">
+              <a:avLst/>
+            </a:prstGeom>
+            <a:noFill/>
+          </p:spPr>
+          <p:txBody>
+            <a:bodyPr lIns="0" rIns="0" tIns="0" bIns="0" anchorCtr="1" anchor="ctr" wrap="none"/>
+            <a:lstStyle/>
+            <a:p>
+              <a:pPr algn="l" marL="0" marR="0" indent="0">
+                <a:lnSpc>
+                  <a:spcPts val="1138"/>
+                </a:lnSpc>
+                <a:spcBef>
+                  <a:spcPts val="0"/>
+                </a:spcBef>
+                <a:spcAft>
+                  <a:spcPts val="0"/>
+                </a:spcAft>
+              </a:pPr>
+              <a:r>
+                <a:rPr sz="1138">
                   <a:solidFill>
                     <a:srgbClr val="000000">
                       <a:alpha val="100000"/>
@@ -2450,14 +2507,14 @@
         </p:sp>
         <p:sp>
           <p:nvSpPr>
-            <p:cNvPr id="10" name="tx10"/>
-            <p:cNvSpPr/>
-            <p:nvPr/>
-          </p:nvSpPr>
-          <p:spPr>
-            <a:xfrm>
-              <a:off x="1507879" y="3031481"/>
-              <a:ext cx="481947" cy="169559"/>
+            <p:cNvPr id="11" name="tx11"/>
+            <p:cNvSpPr/>
+            <p:nvPr/>
+          </p:nvSpPr>
+          <p:spPr>
+            <a:xfrm>
+              <a:off x="2084018" y="3306767"/>
+              <a:ext cx="385557" cy="135647"/>
             </a:xfrm>
             <a:prstGeom prst="rect">
               <a:avLst/>
@@ -2470,7 +2527,7 @@
             <a:p>
               <a:pPr algn="l" marL="0" marR="0" indent="0">
                 <a:lnSpc>
-                  <a:spcPts val="1422"/>
+                  <a:spcPts val="1138"/>
                 </a:lnSpc>
                 <a:spcBef>
                   <a:spcPts val="0"/>
@@ -2480,7 +2537,7 @@
                 </a:spcAft>
               </a:pPr>
               <a:r>
-                <a:rPr sz="1422">
+                <a:rPr sz="1138">
                   <a:solidFill>
                     <a:srgbClr val="000000">
                       <a:alpha val="100000"/>
@@ -2496,14 +2553,14 @@
         </p:sp>
         <p:sp>
           <p:nvSpPr>
-            <p:cNvPr id="11" name="tx11"/>
-            <p:cNvSpPr/>
-            <p:nvPr/>
-          </p:nvSpPr>
-          <p:spPr>
-            <a:xfrm>
-              <a:off x="2769645" y="1838503"/>
-              <a:ext cx="200965" cy="132065"/>
+            <p:cNvPr id="12" name="tx12"/>
+            <p:cNvSpPr/>
+            <p:nvPr/>
+          </p:nvSpPr>
+          <p:spPr>
+            <a:xfrm>
+              <a:off x="2927085" y="2005875"/>
+              <a:ext cx="160772" cy="105652"/>
             </a:xfrm>
             <a:prstGeom prst="rect">
               <a:avLst/>
@@ -2516,7 +2573,7 @@
             <a:p>
               <a:pPr algn="l" marL="0" marR="0" indent="0">
                 <a:lnSpc>
-                  <a:spcPts val="1422"/>
+                  <a:spcPts val="1138"/>
                 </a:lnSpc>
                 <a:spcBef>
                   <a:spcPts val="0"/>
@@ -2526,7 +2583,7 @@
                 </a:spcAft>
               </a:pPr>
               <a:r>
-                <a:rPr sz="1422">
+                <a:rPr sz="1138">
                   <a:solidFill>
                     <a:srgbClr val="000000">
                       <a:alpha val="100000"/>
@@ -2542,14 +2599,14 @@
         </p:sp>
         <p:sp>
           <p:nvSpPr>
-            <p:cNvPr id="12" name="tx12"/>
-            <p:cNvSpPr/>
-            <p:nvPr/>
-          </p:nvSpPr>
-          <p:spPr>
-            <a:xfrm>
-              <a:off x="2629154" y="2061181"/>
-              <a:ext cx="481947" cy="169559"/>
+            <p:cNvPr id="13" name="tx13"/>
+            <p:cNvSpPr/>
+            <p:nvPr/>
+          </p:nvSpPr>
+          <p:spPr>
+            <a:xfrm>
+              <a:off x="2814692" y="2184018"/>
+              <a:ext cx="385557" cy="135647"/>
             </a:xfrm>
             <a:prstGeom prst="rect">
               <a:avLst/>
@@ -2562,7 +2619,7 @@
             <a:p>
               <a:pPr algn="l" marL="0" marR="0" indent="0">
                 <a:lnSpc>
-                  <a:spcPts val="1422"/>
+                  <a:spcPts val="1138"/>
                 </a:lnSpc>
                 <a:spcBef>
                   <a:spcPts val="0"/>
@@ -2572,7 +2629,7 @@
                 </a:spcAft>
               </a:pPr>
               <a:r>
-                <a:rPr sz="1422">
+                <a:rPr sz="1138">
                   <a:solidFill>
                     <a:srgbClr val="000000">
                       <a:alpha val="100000"/>
@@ -2588,14 +2645,14 @@
         </p:sp>
         <p:sp>
           <p:nvSpPr>
-            <p:cNvPr id="13" name="tx13"/>
-            <p:cNvSpPr/>
-            <p:nvPr/>
-          </p:nvSpPr>
-          <p:spPr>
-            <a:xfrm>
-              <a:off x="3941161" y="3779103"/>
-              <a:ext cx="100482" cy="132065"/>
+            <p:cNvPr id="14" name="tx14"/>
+            <p:cNvSpPr/>
+            <p:nvPr/>
+          </p:nvSpPr>
+          <p:spPr>
+            <a:xfrm>
+              <a:off x="3697951" y="4251373"/>
+              <a:ext cx="80386" cy="105652"/>
             </a:xfrm>
             <a:prstGeom prst="rect">
               <a:avLst/>
@@ -2608,7 +2665,7 @@
             <a:p>
               <a:pPr algn="l" marL="0" marR="0" indent="0">
                 <a:lnSpc>
-                  <a:spcPts val="1422"/>
+                  <a:spcPts val="1138"/>
                 </a:lnSpc>
                 <a:spcBef>
                   <a:spcPts val="0"/>
@@ -2618,7 +2675,7 @@
                 </a:spcAft>
               </a:pPr>
               <a:r>
-                <a:rPr sz="1422">
+                <a:rPr sz="1138">
                   <a:solidFill>
                     <a:srgbClr val="000000">
                       <a:alpha val="100000"/>
@@ -2634,14 +2691,14 @@
         </p:sp>
         <p:sp>
           <p:nvSpPr>
-            <p:cNvPr id="14" name="tx14"/>
-            <p:cNvSpPr/>
-            <p:nvPr/>
-          </p:nvSpPr>
-          <p:spPr>
-            <a:xfrm>
-              <a:off x="3750429" y="4001781"/>
-              <a:ext cx="481947" cy="169559"/>
+            <p:cNvPr id="15" name="tx15"/>
+            <p:cNvSpPr/>
+            <p:nvPr/>
+          </p:nvSpPr>
+          <p:spPr>
+            <a:xfrm>
+              <a:off x="3545366" y="4429516"/>
+              <a:ext cx="385557" cy="135647"/>
             </a:xfrm>
             <a:prstGeom prst="rect">
               <a:avLst/>
@@ -2654,7 +2711,7 @@
             <a:p>
               <a:pPr algn="l" marL="0" marR="0" indent="0">
                 <a:lnSpc>
-                  <a:spcPts val="1422"/>
+                  <a:spcPts val="1138"/>
                 </a:lnSpc>
                 <a:spcBef>
                   <a:spcPts val="0"/>
@@ -2664,7 +2721,7 @@
                 </a:spcAft>
               </a:pPr>
               <a:r>
-                <a:rPr sz="1422">
+                <a:rPr sz="1138">
                   <a:solidFill>
                     <a:srgbClr val="000000">
                       <a:alpha val="100000"/>
@@ -2680,113 +2737,21 @@
         </p:sp>
         <p:sp>
           <p:nvSpPr>
-            <p:cNvPr id="15" name="tx15"/>
-            <p:cNvSpPr/>
-            <p:nvPr/>
-          </p:nvSpPr>
-          <p:spPr>
-            <a:xfrm>
-              <a:off x="5062436" y="4070105"/>
-              <a:ext cx="100482" cy="132153"/>
-            </a:xfrm>
-            <a:prstGeom prst="rect">
-              <a:avLst/>
-            </a:prstGeom>
-            <a:noFill/>
-          </p:spPr>
-          <p:txBody>
-            <a:bodyPr lIns="0" rIns="0" tIns="0" bIns="0" anchorCtr="1" anchor="ctr" wrap="none"/>
-            <a:lstStyle/>
-            <a:p>
-              <a:pPr algn="l" marL="0" marR="0" indent="0">
-                <a:lnSpc>
-                  <a:spcPts val="1422"/>
-                </a:lnSpc>
-                <a:spcBef>
-                  <a:spcPts val="0"/>
-                </a:spcBef>
-                <a:spcAft>
-                  <a:spcPts val="0"/>
-                </a:spcAft>
-              </a:pPr>
-              <a:r>
-                <a:rPr sz="1422">
-                  <a:solidFill>
-                    <a:srgbClr val="000000">
-                      <a:alpha val="100000"/>
-                    </a:srgbClr>
-                  </a:solidFill>
-                  <a:latin typeface="Arial"/>
-                  <a:cs typeface="Arial"/>
-                </a:rPr>
-                <a:t>3</a:t>
-              </a:r>
-            </a:p>
-          </p:txBody>
-        </p:sp>
-        <p:sp>
-          <p:nvSpPr>
-            <p:cNvPr id="16" name="tx16"/>
-            <p:cNvSpPr/>
-            <p:nvPr/>
-          </p:nvSpPr>
-          <p:spPr>
-            <a:xfrm>
-              <a:off x="4921946" y="4292871"/>
-              <a:ext cx="381464" cy="169559"/>
-            </a:xfrm>
-            <a:prstGeom prst="rect">
-              <a:avLst/>
-            </a:prstGeom>
-            <a:noFill/>
-          </p:spPr>
-          <p:txBody>
-            <a:bodyPr lIns="0" rIns="0" tIns="0" bIns="0" anchorCtr="1" anchor="ctr" wrap="none"/>
-            <a:lstStyle/>
-            <a:p>
-              <a:pPr algn="l" marL="0" marR="0" indent="0">
-                <a:lnSpc>
-                  <a:spcPts val="1422"/>
-                </a:lnSpc>
-                <a:spcBef>
-                  <a:spcPts val="0"/>
-                </a:spcBef>
-                <a:spcAft>
-                  <a:spcPts val="0"/>
-                </a:spcAft>
-              </a:pPr>
-              <a:r>
-                <a:rPr sz="1422">
-                  <a:solidFill>
-                    <a:srgbClr val="000000">
-                      <a:alpha val="100000"/>
-                    </a:srgbClr>
-                  </a:solidFill>
-                  <a:latin typeface="Arial"/>
-                  <a:cs typeface="Arial"/>
-                </a:rPr>
-                <a:t>(3%)</a:t>
-              </a:r>
-            </a:p>
-          </p:txBody>
-        </p:sp>
-        <p:sp>
-          <p:nvSpPr>
-            <p:cNvPr id="17" name="pl17"/>
-            <p:cNvSpPr/>
-            <p:nvPr/>
-          </p:nvSpPr>
-          <p:spPr>
-            <a:xfrm>
-              <a:off x="1076088" y="1712321"/>
-              <a:ext cx="0" cy="3090405"/>
+            <p:cNvPr id="16" name="pl16"/>
+            <p:cNvSpPr/>
+            <p:nvPr/>
+          </p:nvSpPr>
+          <p:spPr>
+            <a:xfrm>
+              <a:off x="1107719" y="1650246"/>
+              <a:ext cx="0" cy="3575955"/>
             </a:xfrm>
             <a:custGeom>
               <a:avLst/>
               <a:pathLst>
-                <a:path w="0" h="3090405">
+                <a:path w="0" h="3575955">
                   <a:moveTo>
-                    <a:pt x="0" y="3090405"/>
+                    <a:pt x="0" y="3575955"/>
                   </a:moveTo>
                   <a:lnTo>
                     <a:pt x="0" y="0"/>
@@ -2812,13 +2777,13 @@
         </p:sp>
         <p:sp>
           <p:nvSpPr>
-            <p:cNvPr id="18" name="tx18"/>
-            <p:cNvSpPr/>
-            <p:nvPr/>
-          </p:nvSpPr>
-          <p:spPr>
-            <a:xfrm>
-              <a:off x="909089" y="4745875"/>
+            <p:cNvPr id="17" name="tx17"/>
+            <p:cNvSpPr/>
+            <p:nvPr/>
+          </p:nvSpPr>
+          <p:spPr>
+            <a:xfrm>
+              <a:off x="940720" y="5169349"/>
               <a:ext cx="84757" cy="111397"/>
             </a:xfrm>
             <a:prstGeom prst="rect">
@@ -2858,13 +2823,13 @@
         </p:sp>
         <p:sp>
           <p:nvSpPr>
-            <p:cNvPr id="19" name="tx19"/>
-            <p:cNvSpPr/>
-            <p:nvPr/>
-          </p:nvSpPr>
-          <p:spPr>
-            <a:xfrm>
-              <a:off x="824331" y="3775575"/>
+            <p:cNvPr id="18" name="tx18"/>
+            <p:cNvSpPr/>
+            <p:nvPr/>
+          </p:nvSpPr>
+          <p:spPr>
+            <a:xfrm>
+              <a:off x="855962" y="4046600"/>
               <a:ext cx="169515" cy="111397"/>
             </a:xfrm>
             <a:prstGeom prst="rect">
@@ -2904,13 +2869,13 @@
         </p:sp>
         <p:sp>
           <p:nvSpPr>
-            <p:cNvPr id="20" name="tx20"/>
-            <p:cNvSpPr/>
-            <p:nvPr/>
-          </p:nvSpPr>
-          <p:spPr>
-            <a:xfrm>
-              <a:off x="824331" y="2805274"/>
+            <p:cNvPr id="19" name="tx19"/>
+            <p:cNvSpPr/>
+            <p:nvPr/>
+          </p:nvSpPr>
+          <p:spPr>
+            <a:xfrm>
+              <a:off x="855962" y="2923851"/>
               <a:ext cx="169515" cy="111397"/>
             </a:xfrm>
             <a:prstGeom prst="rect">
@@ -2950,13 +2915,13 @@
         </p:sp>
         <p:sp>
           <p:nvSpPr>
-            <p:cNvPr id="21" name="tx21"/>
-            <p:cNvSpPr/>
-            <p:nvPr/>
-          </p:nvSpPr>
-          <p:spPr>
-            <a:xfrm>
-              <a:off x="824331" y="1834974"/>
+            <p:cNvPr id="20" name="tx20"/>
+            <p:cNvSpPr/>
+            <p:nvPr/>
+          </p:nvSpPr>
+          <p:spPr>
+            <a:xfrm>
+              <a:off x="855962" y="1801102"/>
               <a:ext cx="169515" cy="111397"/>
             </a:xfrm>
             <a:prstGeom prst="rect">
@@ -2996,13 +2961,13 @@
         </p:sp>
         <p:sp>
           <p:nvSpPr>
-            <p:cNvPr id="22" name="pl22"/>
-            <p:cNvSpPr/>
-            <p:nvPr/>
-          </p:nvSpPr>
-          <p:spPr>
-            <a:xfrm>
-              <a:off x="1031804" y="4802727"/>
+            <p:cNvPr id="21" name="pl21"/>
+            <p:cNvSpPr/>
+            <p:nvPr/>
+          </p:nvSpPr>
+          <p:spPr>
+            <a:xfrm>
+              <a:off x="1063435" y="5226201"/>
               <a:ext cx="44283" cy="0"/>
             </a:xfrm>
             <a:custGeom>
@@ -3036,13 +3001,13 @@
         </p:sp>
         <p:sp>
           <p:nvSpPr>
-            <p:cNvPr id="23" name="pl23"/>
-            <p:cNvSpPr/>
-            <p:nvPr/>
-          </p:nvSpPr>
-          <p:spPr>
-            <a:xfrm>
-              <a:off x="1031804" y="3832427"/>
+            <p:cNvPr id="22" name="pl22"/>
+            <p:cNvSpPr/>
+            <p:nvPr/>
+          </p:nvSpPr>
+          <p:spPr>
+            <a:xfrm>
+              <a:off x="1063435" y="4103452"/>
               <a:ext cx="44283" cy="0"/>
             </a:xfrm>
             <a:custGeom>
@@ -3076,13 +3041,13 @@
         </p:sp>
         <p:sp>
           <p:nvSpPr>
-            <p:cNvPr id="24" name="pl24"/>
-            <p:cNvSpPr/>
-            <p:nvPr/>
-          </p:nvSpPr>
-          <p:spPr>
-            <a:xfrm>
-              <a:off x="1031804" y="2862127"/>
+            <p:cNvPr id="23" name="pl23"/>
+            <p:cNvSpPr/>
+            <p:nvPr/>
+          </p:nvSpPr>
+          <p:spPr>
+            <a:xfrm>
+              <a:off x="1063435" y="2980703"/>
               <a:ext cx="44283" cy="0"/>
             </a:xfrm>
             <a:custGeom>
@@ -3116,13 +3081,13 @@
         </p:sp>
         <p:sp>
           <p:nvSpPr>
-            <p:cNvPr id="25" name="pl25"/>
-            <p:cNvSpPr/>
-            <p:nvPr/>
-          </p:nvSpPr>
-          <p:spPr>
-            <a:xfrm>
-              <a:off x="1031804" y="1891827"/>
+            <p:cNvPr id="24" name="pl24"/>
+            <p:cNvSpPr/>
+            <p:nvPr/>
+          </p:nvSpPr>
+          <p:spPr>
+            <a:xfrm>
+              <a:off x="1063435" y="1857954"/>
               <a:ext cx="44283" cy="0"/>
             </a:xfrm>
             <a:custGeom>
@@ -3156,24 +3121,24 @@
         </p:sp>
         <p:sp>
           <p:nvSpPr>
-            <p:cNvPr id="26" name="pl26"/>
-            <p:cNvSpPr/>
-            <p:nvPr/>
-          </p:nvSpPr>
-          <p:spPr>
-            <a:xfrm>
-              <a:off x="1076088" y="4802727"/>
-              <a:ext cx="4709354" cy="0"/>
+            <p:cNvPr id="25" name="pl25"/>
+            <p:cNvSpPr/>
+            <p:nvPr/>
+          </p:nvSpPr>
+          <p:spPr>
+            <a:xfrm>
+              <a:off x="1107719" y="5226201"/>
+              <a:ext cx="3068829" cy="0"/>
             </a:xfrm>
             <a:custGeom>
               <a:avLst/>
               <a:pathLst>
-                <a:path w="4709354" h="0">
+                <a:path w="3068829" h="0">
                   <a:moveTo>
                     <a:pt x="0" y="0"/>
                   </a:moveTo>
                   <a:lnTo>
-                    <a:pt x="4709354" y="0"/>
+                    <a:pt x="3068829" y="0"/>
                   </a:lnTo>
                 </a:path>
               </a:pathLst>
@@ -3196,13 +3161,357 @@
         </p:sp>
         <p:sp>
           <p:nvSpPr>
-            <p:cNvPr id="27" name="tx27"/>
+            <p:cNvPr id="26" name="pl26"/>
+            <p:cNvSpPr/>
+            <p:nvPr/>
+          </p:nvSpPr>
+          <p:spPr>
+            <a:xfrm>
+              <a:off x="1546123" y="5226201"/>
+              <a:ext cx="0" cy="44283"/>
+            </a:xfrm>
+            <a:custGeom>
+              <a:avLst/>
+              <a:pathLst>
+                <a:path w="0" h="44283">
+                  <a:moveTo>
+                    <a:pt x="0" y="44283"/>
+                  </a:moveTo>
+                  <a:lnTo>
+                    <a:pt x="0" y="0"/>
+                  </a:lnTo>
+                </a:path>
+              </a:pathLst>
+            </a:custGeom>
+            <a:ln w="13550" cap="flat">
+              <a:solidFill>
+                <a:srgbClr val="000000">
+                  <a:alpha val="100000"/>
+                </a:srgbClr>
+              </a:solidFill>
+              <a:prstDash val="solid"/>
+              <a:round/>
+            </a:ln>
+          </p:spPr>
+          <p:txBody>
+            <a:bodyPr/>
+            <a:lstStyle/>
+            <a:p/>
+          </p:txBody>
+        </p:sp>
+        <p:sp>
+          <p:nvSpPr>
+            <p:cNvPr id="27" name="pl27"/>
+            <p:cNvSpPr/>
+            <p:nvPr/>
+          </p:nvSpPr>
+          <p:spPr>
+            <a:xfrm>
+              <a:off x="2276797" y="5226201"/>
+              <a:ext cx="0" cy="44283"/>
+            </a:xfrm>
+            <a:custGeom>
+              <a:avLst/>
+              <a:pathLst>
+                <a:path w="0" h="44283">
+                  <a:moveTo>
+                    <a:pt x="0" y="44283"/>
+                  </a:moveTo>
+                  <a:lnTo>
+                    <a:pt x="0" y="0"/>
+                  </a:lnTo>
+                </a:path>
+              </a:pathLst>
+            </a:custGeom>
+            <a:ln w="13550" cap="flat">
+              <a:solidFill>
+                <a:srgbClr val="000000">
+                  <a:alpha val="100000"/>
+                </a:srgbClr>
+              </a:solidFill>
+              <a:prstDash val="solid"/>
+              <a:round/>
+            </a:ln>
+          </p:spPr>
+          <p:txBody>
+            <a:bodyPr/>
+            <a:lstStyle/>
+            <a:p/>
+          </p:txBody>
+        </p:sp>
+        <p:sp>
+          <p:nvSpPr>
+            <p:cNvPr id="28" name="pl28"/>
+            <p:cNvSpPr/>
+            <p:nvPr/>
+          </p:nvSpPr>
+          <p:spPr>
+            <a:xfrm>
+              <a:off x="3007471" y="5226201"/>
+              <a:ext cx="0" cy="44283"/>
+            </a:xfrm>
+            <a:custGeom>
+              <a:avLst/>
+              <a:pathLst>
+                <a:path w="0" h="44283">
+                  <a:moveTo>
+                    <a:pt x="0" y="44283"/>
+                  </a:moveTo>
+                  <a:lnTo>
+                    <a:pt x="0" y="0"/>
+                  </a:lnTo>
+                </a:path>
+              </a:pathLst>
+            </a:custGeom>
+            <a:ln w="13550" cap="flat">
+              <a:solidFill>
+                <a:srgbClr val="000000">
+                  <a:alpha val="100000"/>
+                </a:srgbClr>
+              </a:solidFill>
+              <a:prstDash val="solid"/>
+              <a:round/>
+            </a:ln>
+          </p:spPr>
+          <p:txBody>
+            <a:bodyPr/>
+            <a:lstStyle/>
+            <a:p/>
+          </p:txBody>
+        </p:sp>
+        <p:sp>
+          <p:nvSpPr>
+            <p:cNvPr id="29" name="pl29"/>
+            <p:cNvSpPr/>
+            <p:nvPr/>
+          </p:nvSpPr>
+          <p:spPr>
+            <a:xfrm>
+              <a:off x="3738144" y="5226201"/>
+              <a:ext cx="0" cy="44283"/>
+            </a:xfrm>
+            <a:custGeom>
+              <a:avLst/>
+              <a:pathLst>
+                <a:path w="0" h="44283">
+                  <a:moveTo>
+                    <a:pt x="0" y="44283"/>
+                  </a:moveTo>
+                  <a:lnTo>
+                    <a:pt x="0" y="0"/>
+                  </a:lnTo>
+                </a:path>
+              </a:pathLst>
+            </a:custGeom>
+            <a:ln w="13550" cap="flat">
+              <a:solidFill>
+                <a:srgbClr val="000000">
+                  <a:alpha val="100000"/>
+                </a:srgbClr>
+              </a:solidFill>
+              <a:prstDash val="solid"/>
+              <a:round/>
+            </a:ln>
+          </p:spPr>
+          <p:txBody>
+            <a:bodyPr/>
+            <a:lstStyle/>
+            <a:p/>
+          </p:txBody>
+        </p:sp>
+        <p:sp>
+          <p:nvSpPr>
+            <p:cNvPr id="30" name="tx30"/>
+            <p:cNvSpPr/>
+            <p:nvPr/>
+          </p:nvSpPr>
+          <p:spPr>
+            <a:xfrm rot="-2700000">
+              <a:off x="893956" y="5576793"/>
+              <a:ext cx="808508" cy="110876"/>
+            </a:xfrm>
+            <a:prstGeom prst="rect">
+              <a:avLst/>
+            </a:prstGeom>
+            <a:noFill/>
+          </p:spPr>
+          <p:txBody>
+            <a:bodyPr lIns="0" rIns="0" tIns="0" bIns="0" anchorCtr="1" anchor="ctr" wrap="none"/>
+            <a:lstStyle/>
+            <a:p>
+              <a:pPr algn="l" marL="0" marR="0" indent="0">
+                <a:lnSpc>
+                  <a:spcPts val="1200"/>
+                </a:lnSpc>
+                <a:spcBef>
+                  <a:spcPts val="0"/>
+                </a:spcBef>
+                <a:spcAft>
+                  <a:spcPts val="0"/>
+                </a:spcAft>
+              </a:pPr>
+              <a:r>
+                <a:rPr sz="1200">
+                  <a:solidFill>
+                    <a:srgbClr val="000000">
+                      <a:alpha val="100000"/>
+                    </a:srgbClr>
+                  </a:solidFill>
+                  <a:latin typeface="Arial"/>
+                  <a:cs typeface="Arial"/>
+                </a:rPr>
+                <a:t>I don't know</a:t>
+              </a:r>
+            </a:p>
+          </p:txBody>
+        </p:sp>
+        <p:sp>
+          <p:nvSpPr>
+            <p:cNvPr id="31" name="tx31"/>
+            <p:cNvSpPr/>
+            <p:nvPr/>
+          </p:nvSpPr>
+          <p:spPr>
+            <a:xfrm rot="-2700000">
+              <a:off x="1743787" y="5527437"/>
+              <a:ext cx="668908" cy="110876"/>
+            </a:xfrm>
+            <a:prstGeom prst="rect">
+              <a:avLst/>
+            </a:prstGeom>
+            <a:noFill/>
+          </p:spPr>
+          <p:txBody>
+            <a:bodyPr lIns="0" rIns="0" tIns="0" bIns="0" anchorCtr="1" anchor="ctr" wrap="none"/>
+            <a:lstStyle/>
+            <a:p>
+              <a:pPr algn="l" marL="0" marR="0" indent="0">
+                <a:lnSpc>
+                  <a:spcPts val="1200"/>
+                </a:lnSpc>
+                <a:spcBef>
+                  <a:spcPts val="0"/>
+                </a:spcBef>
+                <a:spcAft>
+                  <a:spcPts val="0"/>
+                </a:spcAft>
+              </a:pPr>
+              <a:r>
+                <a:rPr sz="1200">
+                  <a:solidFill>
+                    <a:srgbClr val="000000">
+                      <a:alpha val="100000"/>
+                    </a:srgbClr>
+                  </a:solidFill>
+                  <a:latin typeface="Arial"/>
+                  <a:cs typeface="Arial"/>
+                </a:rPr>
+                <a:t>Work less</a:t>
+              </a:r>
+            </a:p>
+          </p:txBody>
+        </p:sp>
+        <p:sp>
+          <p:nvSpPr>
+            <p:cNvPr id="32" name="tx32"/>
+            <p:cNvSpPr/>
+            <p:nvPr/>
+          </p:nvSpPr>
+          <p:spPr>
+            <a:xfrm rot="-2700000">
+              <a:off x="2065037" y="5664879"/>
+              <a:ext cx="1135260" cy="143023"/>
+            </a:xfrm>
+            <a:prstGeom prst="rect">
+              <a:avLst/>
+            </a:prstGeom>
+            <a:noFill/>
+          </p:spPr>
+          <p:txBody>
+            <a:bodyPr lIns="0" rIns="0" tIns="0" bIns="0" anchorCtr="1" anchor="ctr" wrap="none"/>
+            <a:lstStyle/>
+            <a:p>
+              <a:pPr algn="l" marL="0" marR="0" indent="0">
+                <a:lnSpc>
+                  <a:spcPts val="1200"/>
+                </a:lnSpc>
+                <a:spcBef>
+                  <a:spcPts val="0"/>
+                </a:spcBef>
+                <a:spcAft>
+                  <a:spcPts val="0"/>
+                </a:spcAft>
+              </a:pPr>
+              <a:r>
+                <a:rPr sz="1200">
+                  <a:solidFill>
+                    <a:srgbClr val="000000">
+                      <a:alpha val="100000"/>
+                    </a:srgbClr>
+                  </a:solidFill>
+                  <a:latin typeface="Arial"/>
+                  <a:cs typeface="Arial"/>
+                </a:rPr>
+                <a:t>Stopped working</a:t>
+              </a:r>
+            </a:p>
+          </p:txBody>
+        </p:sp>
+        <p:sp>
+          <p:nvSpPr>
+            <p:cNvPr id="33" name="tx33"/>
+            <p:cNvSpPr/>
+            <p:nvPr/>
+          </p:nvSpPr>
+          <p:spPr>
+            <a:xfrm rot="-2700000">
+              <a:off x="3180449" y="5509162"/>
+              <a:ext cx="686023" cy="139377"/>
+            </a:xfrm>
+            <a:prstGeom prst="rect">
+              <a:avLst/>
+            </a:prstGeom>
+            <a:noFill/>
+          </p:spPr>
+          <p:txBody>
+            <a:bodyPr lIns="0" rIns="0" tIns="0" bIns="0" anchorCtr="1" anchor="ctr" wrap="none"/>
+            <a:lstStyle/>
+            <a:p>
+              <a:pPr algn="l" marL="0" marR="0" indent="0">
+                <a:lnSpc>
+                  <a:spcPts val="1200"/>
+                </a:lnSpc>
+                <a:spcBef>
+                  <a:spcPts val="0"/>
+                </a:spcBef>
+                <a:spcAft>
+                  <a:spcPts val="0"/>
+                </a:spcAft>
+              </a:pPr>
+              <a:r>
+                <a:rPr sz="1200">
+                  <a:solidFill>
+                    <a:srgbClr val="000000">
+                      <a:alpha val="100000"/>
+                    </a:srgbClr>
+                  </a:solidFill>
+                  <a:latin typeface="Arial"/>
+                  <a:cs typeface="Arial"/>
+                </a:rPr>
+                <a:t>No impact</a:t>
+              </a:r>
+            </a:p>
+          </p:txBody>
+        </p:sp>
+        <p:sp>
+          <p:nvSpPr>
+            <p:cNvPr id="34" name="tx34"/>
             <p:cNvSpPr/>
             <p:nvPr/>
           </p:nvSpPr>
           <p:spPr>
             <a:xfrm rot="-5400000">
-              <a:off x="-90851" y="3175135"/>
+              <a:off x="-59219" y="3355835"/>
               <a:ext cx="1502184" cy="164777"/>
             </a:xfrm>
             <a:prstGeom prst="rect">
@@ -3242,118 +3551,14 @@
         </p:sp>
         <p:sp>
           <p:nvSpPr>
-            <p:cNvPr id="28" name="rc28"/>
-            <p:cNvSpPr/>
-            <p:nvPr/>
-          </p:nvSpPr>
-          <p:spPr>
-            <a:xfrm>
-              <a:off x="1085088" y="5033147"/>
-              <a:ext cx="176849" cy="176849"/>
-            </a:xfrm>
-            <a:prstGeom prst="rect">
-              <a:avLst/>
-            </a:prstGeom>
-            <a:solidFill>
-              <a:srgbClr val="2196F3">
-                <a:alpha val="100000"/>
-              </a:srgbClr>
-            </a:solidFill>
-          </p:spPr>
-          <p:txBody>
-            <a:bodyPr/>
-            <a:lstStyle/>
-            <a:p/>
-          </p:txBody>
-        </p:sp>
-        <p:sp>
-          <p:nvSpPr>
-            <p:cNvPr id="29" name="rc29"/>
-            <p:cNvSpPr/>
-            <p:nvPr/>
-          </p:nvSpPr>
-          <p:spPr>
-            <a:xfrm>
-              <a:off x="1085088" y="5316564"/>
-              <a:ext cx="176849" cy="176849"/>
-            </a:xfrm>
-            <a:prstGeom prst="rect">
-              <a:avLst/>
-            </a:prstGeom>
-            <a:solidFill>
-              <a:srgbClr val="87B537">
-                <a:alpha val="100000"/>
-              </a:srgbClr>
-            </a:solidFill>
-          </p:spPr>
-          <p:txBody>
-            <a:bodyPr/>
-            <a:lstStyle/>
-            <a:p/>
-          </p:txBody>
-        </p:sp>
-        <p:sp>
-          <p:nvSpPr>
-            <p:cNvPr id="30" name="rc30"/>
-            <p:cNvSpPr/>
-            <p:nvPr/>
-          </p:nvSpPr>
-          <p:spPr>
-            <a:xfrm>
-              <a:off x="1085088" y="5599981"/>
-              <a:ext cx="176849" cy="176849"/>
-            </a:xfrm>
-            <a:prstGeom prst="rect">
-              <a:avLst/>
-            </a:prstGeom>
-            <a:solidFill>
-              <a:srgbClr val="BD5A77">
-                <a:alpha val="100000"/>
-              </a:srgbClr>
-            </a:solidFill>
-          </p:spPr>
-          <p:txBody>
-            <a:bodyPr/>
-            <a:lstStyle/>
-            <a:p/>
-          </p:txBody>
-        </p:sp>
-        <p:sp>
-          <p:nvSpPr>
-            <p:cNvPr id="31" name="rc31"/>
-            <p:cNvSpPr/>
-            <p:nvPr/>
-          </p:nvSpPr>
-          <p:spPr>
-            <a:xfrm>
-              <a:off x="1085088" y="5883398"/>
-              <a:ext cx="176849" cy="176849"/>
-            </a:xfrm>
-            <a:prstGeom prst="rect">
-              <a:avLst/>
-            </a:prstGeom>
-            <a:solidFill>
-              <a:srgbClr val="F44336">
-                <a:alpha val="100000"/>
-              </a:srgbClr>
-            </a:solidFill>
-          </p:spPr>
-          <p:txBody>
-            <a:bodyPr/>
-            <a:lstStyle/>
-            <a:p/>
-          </p:txBody>
-        </p:sp>
-        <p:sp>
-          <p:nvSpPr>
-            <p:cNvPr id="32" name="tx32"/>
-            <p:cNvSpPr/>
-            <p:nvPr/>
-          </p:nvSpPr>
-          <p:spPr>
-            <a:xfrm>
-              <a:off x="1359505" y="5033019"/>
-              <a:ext cx="4654525" cy="143098"/>
+            <p:cNvPr id="35" name="tx35"/>
+            <p:cNvSpPr/>
+            <p:nvPr/>
+          </p:nvSpPr>
+          <p:spPr>
+            <a:xfrm>
+              <a:off x="1107719" y="1386582"/>
+              <a:ext cx="1444153" cy="143023"/>
             </a:xfrm>
             <a:prstGeom prst="rect">
               <a:avLst/>
@@ -3385,21 +3590,229 @@
                   <a:latin typeface="Arial"/>
                   <a:cs typeface="Arial"/>
                 </a:rPr>
-                <a:t>Oui, je travaille moins qu'avant en raison de mon trouble psychotique</a:t>
+                <a:t>Global impact (N=90)</a:t>
               </a:r>
             </a:p>
           </p:txBody>
         </p:sp>
         <p:sp>
           <p:nvSpPr>
-            <p:cNvPr id="33" name="tx33"/>
-            <p:cNvSpPr/>
-            <p:nvPr/>
-          </p:nvSpPr>
-          <p:spPr>
-            <a:xfrm>
-              <a:off x="1359505" y="5316436"/>
-              <a:ext cx="4362673" cy="143098"/>
+            <p:cNvPr id="36" name="rc36"/>
+            <p:cNvSpPr/>
+            <p:nvPr/>
+          </p:nvSpPr>
+          <p:spPr>
+            <a:xfrm>
+              <a:off x="4881780" y="3678913"/>
+              <a:ext cx="404187" cy="1547288"/>
+            </a:xfrm>
+            <a:prstGeom prst="rect">
+              <a:avLst/>
+            </a:prstGeom>
+            <a:solidFill>
+              <a:srgbClr val="B0BEC5">
+                <a:alpha val="100000"/>
+              </a:srgbClr>
+            </a:solidFill>
+          </p:spPr>
+          <p:txBody>
+            <a:bodyPr/>
+            <a:lstStyle/>
+            <a:p/>
+          </p:txBody>
+        </p:sp>
+        <p:sp>
+          <p:nvSpPr>
+            <p:cNvPr id="37" name="rc37"/>
+            <p:cNvSpPr/>
+            <p:nvPr/>
+          </p:nvSpPr>
+          <p:spPr>
+            <a:xfrm>
+              <a:off x="5330877" y="5111587"/>
+              <a:ext cx="404187" cy="114613"/>
+            </a:xfrm>
+            <a:prstGeom prst="rect">
+              <a:avLst/>
+            </a:prstGeom>
+            <a:solidFill>
+              <a:srgbClr val="4CAF50">
+                <a:alpha val="100000"/>
+              </a:srgbClr>
+            </a:solidFill>
+          </p:spPr>
+          <p:txBody>
+            <a:bodyPr/>
+            <a:lstStyle/>
+            <a:p/>
+          </p:txBody>
+        </p:sp>
+        <p:sp>
+          <p:nvSpPr>
+            <p:cNvPr id="38" name="rc38"/>
+            <p:cNvSpPr/>
+            <p:nvPr/>
+          </p:nvSpPr>
+          <p:spPr>
+            <a:xfrm>
+              <a:off x="5779974" y="4767745"/>
+              <a:ext cx="404187" cy="458455"/>
+            </a:xfrm>
+            <a:prstGeom prst="rect">
+              <a:avLst/>
+            </a:prstGeom>
+            <a:solidFill>
+              <a:srgbClr val="8BC34A">
+                <a:alpha val="100000"/>
+              </a:srgbClr>
+            </a:solidFill>
+          </p:spPr>
+          <p:txBody>
+            <a:bodyPr/>
+            <a:lstStyle/>
+            <a:p/>
+          </p:txBody>
+        </p:sp>
+        <p:sp>
+          <p:nvSpPr>
+            <p:cNvPr id="39" name="rc39"/>
+            <p:cNvSpPr/>
+            <p:nvPr/>
+          </p:nvSpPr>
+          <p:spPr>
+            <a:xfrm>
+              <a:off x="6229071" y="4825052"/>
+              <a:ext cx="404187" cy="401148"/>
+            </a:xfrm>
+            <a:prstGeom prst="rect">
+              <a:avLst/>
+            </a:prstGeom>
+            <a:solidFill>
+              <a:srgbClr val="FFC107">
+                <a:alpha val="100000"/>
+              </a:srgbClr>
+            </a:solidFill>
+          </p:spPr>
+          <p:txBody>
+            <a:bodyPr/>
+            <a:lstStyle/>
+            <a:p/>
+          </p:txBody>
+        </p:sp>
+        <p:sp>
+          <p:nvSpPr>
+            <p:cNvPr id="40" name="rc40"/>
+            <p:cNvSpPr/>
+            <p:nvPr/>
+          </p:nvSpPr>
+          <p:spPr>
+            <a:xfrm>
+              <a:off x="6678168" y="2475466"/>
+              <a:ext cx="404187" cy="2750734"/>
+            </a:xfrm>
+            <a:prstGeom prst="rect">
+              <a:avLst/>
+            </a:prstGeom>
+            <a:solidFill>
+              <a:srgbClr val="FF9800">
+                <a:alpha val="100000"/>
+              </a:srgbClr>
+            </a:solidFill>
+          </p:spPr>
+          <p:txBody>
+            <a:bodyPr/>
+            <a:lstStyle/>
+            <a:p/>
+          </p:txBody>
+        </p:sp>
+        <p:sp>
+          <p:nvSpPr>
+            <p:cNvPr id="41" name="rc41"/>
+            <p:cNvSpPr/>
+            <p:nvPr/>
+          </p:nvSpPr>
+          <p:spPr>
+            <a:xfrm>
+              <a:off x="7127265" y="4137369"/>
+              <a:ext cx="404187" cy="1088832"/>
+            </a:xfrm>
+            <a:prstGeom prst="rect">
+              <a:avLst/>
+            </a:prstGeom>
+            <a:solidFill>
+              <a:srgbClr val="FF5722">
+                <a:alpha val="100000"/>
+              </a:srgbClr>
+            </a:solidFill>
+          </p:spPr>
+          <p:txBody>
+            <a:bodyPr/>
+            <a:lstStyle/>
+            <a:p/>
+          </p:txBody>
+        </p:sp>
+        <p:sp>
+          <p:nvSpPr>
+            <p:cNvPr id="42" name="rc42"/>
+            <p:cNvSpPr/>
+            <p:nvPr/>
+          </p:nvSpPr>
+          <p:spPr>
+            <a:xfrm>
+              <a:off x="7576362" y="4251983"/>
+              <a:ext cx="404187" cy="974218"/>
+            </a:xfrm>
+            <a:prstGeom prst="rect">
+              <a:avLst/>
+            </a:prstGeom>
+            <a:solidFill>
+              <a:srgbClr val="F4511E">
+                <a:alpha val="100000"/>
+              </a:srgbClr>
+            </a:solidFill>
+          </p:spPr>
+          <p:txBody>
+            <a:bodyPr/>
+            <a:lstStyle/>
+            <a:p/>
+          </p:txBody>
+        </p:sp>
+        <p:sp>
+          <p:nvSpPr>
+            <p:cNvPr id="43" name="rc43"/>
+            <p:cNvSpPr/>
+            <p:nvPr/>
+          </p:nvSpPr>
+          <p:spPr>
+            <a:xfrm>
+              <a:off x="8025459" y="4309290"/>
+              <a:ext cx="404187" cy="916911"/>
+            </a:xfrm>
+            <a:prstGeom prst="rect">
+              <a:avLst/>
+            </a:prstGeom>
+            <a:solidFill>
+              <a:srgbClr val="E64A19">
+                <a:alpha val="100000"/>
+              </a:srgbClr>
+            </a:solidFill>
+          </p:spPr>
+          <p:txBody>
+            <a:bodyPr/>
+            <a:lstStyle/>
+            <a:p/>
+          </p:txBody>
+        </p:sp>
+        <p:sp>
+          <p:nvSpPr>
+            <p:cNvPr id="44" name="tx44"/>
+            <p:cNvSpPr/>
+            <p:nvPr/>
+          </p:nvSpPr>
+          <p:spPr>
+            <a:xfrm>
+              <a:off x="5003488" y="3211086"/>
+              <a:ext cx="160772" cy="103888"/>
             </a:xfrm>
             <a:prstGeom prst="rect">
               <a:avLst/>
@@ -3412,7 +3825,7 @@
             <a:p>
               <a:pPr algn="l" marL="0" marR="0" indent="0">
                 <a:lnSpc>
-                  <a:spcPts val="1200"/>
+                  <a:spcPts val="1138"/>
                 </a:lnSpc>
                 <a:spcBef>
                   <a:spcPts val="0"/>
@@ -3422,7 +3835,7 @@
                 </a:spcAft>
               </a:pPr>
               <a:r>
-                <a:rPr sz="1200">
+                <a:rPr sz="1138">
                   <a:solidFill>
                     <a:srgbClr val="000000">
                       <a:alpha val="100000"/>
@@ -3431,21 +3844,21 @@
                   <a:latin typeface="Arial"/>
                   <a:cs typeface="Arial"/>
                 </a:rPr>
-                <a:t>Oui, j’ai arrêté de travailler en raison de mon trouble psychotique</a:t>
+                <a:t>27</a:t>
               </a:r>
             </a:p>
           </p:txBody>
         </p:sp>
         <p:sp>
           <p:nvSpPr>
-            <p:cNvPr id="34" name="tx34"/>
-            <p:cNvSpPr/>
-            <p:nvPr/>
-          </p:nvSpPr>
-          <p:spPr>
-            <a:xfrm>
-              <a:off x="1359505" y="5600671"/>
-              <a:ext cx="4913262" cy="142279"/>
+            <p:cNvPr id="45" name="tx45"/>
+            <p:cNvSpPr/>
+            <p:nvPr/>
+          </p:nvSpPr>
+          <p:spPr>
+            <a:xfrm>
+              <a:off x="4891095" y="3387464"/>
+              <a:ext cx="385557" cy="135647"/>
             </a:xfrm>
             <a:prstGeom prst="rect">
               <a:avLst/>
@@ -3458,7 +3871,7 @@
             <a:p>
               <a:pPr algn="l" marL="0" marR="0" indent="0">
                 <a:lnSpc>
-                  <a:spcPts val="1200"/>
+                  <a:spcPts val="1138"/>
                 </a:lnSpc>
                 <a:spcBef>
                   <a:spcPts val="0"/>
@@ -3468,7 +3881,7 @@
                 </a:spcAft>
               </a:pPr>
               <a:r>
-                <a:rPr sz="1200">
+                <a:rPr sz="1138">
                   <a:solidFill>
                     <a:srgbClr val="000000">
                       <a:alpha val="100000"/>
@@ -3477,21 +3890,21 @@
                   <a:latin typeface="Arial"/>
                   <a:cs typeface="Arial"/>
                 </a:rPr>
-                <a:t>Non, le trouble psychotique n’a pas eu d’impact sur mon temps de travail</a:t>
+                <a:t>(19%)</a:t>
               </a:r>
             </a:p>
           </p:txBody>
         </p:sp>
         <p:sp>
           <p:nvSpPr>
-            <p:cNvPr id="35" name="tx35"/>
-            <p:cNvSpPr/>
-            <p:nvPr/>
-          </p:nvSpPr>
-          <p:spPr>
-            <a:xfrm>
-              <a:off x="1359505" y="5886991"/>
-              <a:ext cx="974228" cy="139377"/>
+            <p:cNvPr id="46" name="tx46"/>
+            <p:cNvSpPr/>
+            <p:nvPr/>
+          </p:nvSpPr>
+          <p:spPr>
+            <a:xfrm>
+              <a:off x="5492778" y="4643760"/>
+              <a:ext cx="80386" cy="103888"/>
             </a:xfrm>
             <a:prstGeom prst="rect">
               <a:avLst/>
@@ -3504,7 +3917,7 @@
             <a:p>
               <a:pPr algn="l" marL="0" marR="0" indent="0">
                 <a:lnSpc>
-                  <a:spcPts val="1200"/>
+                  <a:spcPts val="1138"/>
                 </a:lnSpc>
                 <a:spcBef>
                   <a:spcPts val="0"/>
@@ -3514,307 +3927,7 @@
                 </a:spcAft>
               </a:pPr>
               <a:r>
-                <a:rPr sz="1200">
-                  <a:solidFill>
-                    <a:srgbClr val="000000">
-                      <a:alpha val="100000"/>
-                    </a:srgbClr>
-                  </a:solidFill>
-                  <a:latin typeface="Arial"/>
-                  <a:cs typeface="Arial"/>
-                </a:rPr>
-                <a:t>Je ne sais pas</a:t>
-              </a:r>
-            </a:p>
-          </p:txBody>
-        </p:sp>
-        <p:sp>
-          <p:nvSpPr>
-            <p:cNvPr id="36" name="tx36"/>
-            <p:cNvSpPr/>
-            <p:nvPr/>
-          </p:nvSpPr>
-          <p:spPr>
-            <a:xfrm>
-              <a:off x="1139351" y="1390292"/>
-              <a:ext cx="2026840" cy="190698"/>
-            </a:xfrm>
-            <a:prstGeom prst="rect">
-              <a:avLst/>
-            </a:prstGeom>
-            <a:noFill/>
-          </p:spPr>
-          <p:txBody>
-            <a:bodyPr lIns="0" rIns="0" tIns="0" bIns="0" anchorCtr="1" anchor="ctr" wrap="none"/>
-            <a:lstStyle/>
-            <a:p>
-              <a:pPr algn="l" marL="0" marR="0" indent="0">
-                <a:lnSpc>
-                  <a:spcPts val="1600"/>
-                </a:lnSpc>
-                <a:spcBef>
-                  <a:spcPts val="0"/>
-                </a:spcBef>
-                <a:spcAft>
-                  <a:spcPts val="0"/>
-                </a:spcAft>
-              </a:pPr>
-              <a:r>
-                <a:rPr sz="1600" b="1">
-                  <a:solidFill>
-                    <a:srgbClr val="000000">
-                      <a:alpha val="100000"/>
-                    </a:srgbClr>
-                  </a:solidFill>
-                  <a:latin typeface="Arial"/>
-                  <a:cs typeface="Arial"/>
-                </a:rPr>
-                <a:t>Global impact (N=90)</a:t>
-              </a:r>
-            </a:p>
-          </p:txBody>
-        </p:sp>
-        <p:sp>
-          <p:nvSpPr>
-            <p:cNvPr id="37" name="rc37"/>
-            <p:cNvSpPr/>
-            <p:nvPr/>
-          </p:nvSpPr>
-          <p:spPr>
-            <a:xfrm>
-              <a:off x="1162235" y="9577786"/>
-              <a:ext cx="516880" cy="99051"/>
-            </a:xfrm>
-            <a:prstGeom prst="rect">
-              <a:avLst/>
-            </a:prstGeom>
-            <a:solidFill>
-              <a:srgbClr val="2196F3">
-                <a:alpha val="100000"/>
-              </a:srgbClr>
-            </a:solidFill>
-          </p:spPr>
-          <p:txBody>
-            <a:bodyPr/>
-            <a:lstStyle/>
-            <a:p/>
-          </p:txBody>
-        </p:sp>
-        <p:sp>
-          <p:nvSpPr>
-            <p:cNvPr id="38" name="rc38"/>
-            <p:cNvSpPr/>
-            <p:nvPr/>
-          </p:nvSpPr>
-          <p:spPr>
-            <a:xfrm>
-              <a:off x="1736546" y="9280632"/>
-              <a:ext cx="516880" cy="396205"/>
-            </a:xfrm>
-            <a:prstGeom prst="rect">
-              <a:avLst/>
-            </a:prstGeom>
-            <a:solidFill>
-              <a:srgbClr val="39A495">
-                <a:alpha val="100000"/>
-              </a:srgbClr>
-            </a:solidFill>
-          </p:spPr>
-          <p:txBody>
-            <a:bodyPr/>
-            <a:lstStyle/>
-            <a:p/>
-          </p:txBody>
-        </p:sp>
-        <p:sp>
-          <p:nvSpPr>
-            <p:cNvPr id="39" name="rc39"/>
-            <p:cNvSpPr/>
-            <p:nvPr/>
-          </p:nvSpPr>
-          <p:spPr>
-            <a:xfrm>
-              <a:off x="2310858" y="9330157"/>
-              <a:ext cx="516880" cy="346680"/>
-            </a:xfrm>
-            <a:prstGeom prst="rect">
-              <a:avLst/>
-            </a:prstGeom>
-            <a:solidFill>
-              <a:srgbClr val="65B145">
-                <a:alpha val="100000"/>
-              </a:srgbClr>
-            </a:solidFill>
-          </p:spPr>
-          <p:txBody>
-            <a:bodyPr/>
-            <a:lstStyle/>
-            <a:p/>
-          </p:txBody>
-        </p:sp>
-        <p:sp>
-          <p:nvSpPr>
-            <p:cNvPr id="40" name="rc40"/>
-            <p:cNvSpPr/>
-            <p:nvPr/>
-          </p:nvSpPr>
-          <p:spPr>
-            <a:xfrm>
-              <a:off x="2885169" y="8884426"/>
-              <a:ext cx="516880" cy="792411"/>
-            </a:xfrm>
-            <a:prstGeom prst="rect">
-              <a:avLst/>
-            </a:prstGeom>
-            <a:solidFill>
-              <a:srgbClr val="CBBB1B">
-                <a:alpha val="100000"/>
-              </a:srgbClr>
-            </a:solidFill>
-          </p:spPr>
-          <p:txBody>
-            <a:bodyPr/>
-            <a:lstStyle/>
-            <a:p/>
-          </p:txBody>
-        </p:sp>
-        <p:sp>
-          <p:nvSpPr>
-            <p:cNvPr id="41" name="rc41"/>
-            <p:cNvSpPr/>
-            <p:nvPr/>
-          </p:nvSpPr>
-          <p:spPr>
-            <a:xfrm>
-              <a:off x="3459481" y="7299602"/>
-              <a:ext cx="516880" cy="2377235"/>
-            </a:xfrm>
-            <a:prstGeom prst="rect">
-              <a:avLst/>
-            </a:prstGeom>
-            <a:solidFill>
-              <a:srgbClr val="E29537">
-                <a:alpha val="100000"/>
-              </a:srgbClr>
-            </a:solidFill>
-          </p:spPr>
-          <p:txBody>
-            <a:bodyPr/>
-            <a:lstStyle/>
-            <a:p/>
-          </p:txBody>
-        </p:sp>
-        <p:sp>
-          <p:nvSpPr>
-            <p:cNvPr id="42" name="rc42"/>
-            <p:cNvSpPr/>
-            <p:nvPr/>
-          </p:nvSpPr>
-          <p:spPr>
-            <a:xfrm>
-              <a:off x="4033792" y="8735849"/>
-              <a:ext cx="516880" cy="940988"/>
-            </a:xfrm>
-            <a:prstGeom prst="rect">
-              <a:avLst/>
-            </a:prstGeom>
-            <a:solidFill>
-              <a:srgbClr val="AA3D97">
-                <a:alpha val="100000"/>
-              </a:srgbClr>
-            </a:solidFill>
-          </p:spPr>
-          <p:txBody>
-            <a:bodyPr/>
-            <a:lstStyle/>
-            <a:p/>
-          </p:txBody>
-        </p:sp>
-        <p:sp>
-          <p:nvSpPr>
-            <p:cNvPr id="43" name="rc43"/>
-            <p:cNvSpPr/>
-            <p:nvPr/>
-          </p:nvSpPr>
-          <p:spPr>
-            <a:xfrm>
-              <a:off x="4608104" y="8834900"/>
-              <a:ext cx="516880" cy="841937"/>
-            </a:xfrm>
-            <a:prstGeom prst="rect">
-              <a:avLst/>
-            </a:prstGeom>
-            <a:solidFill>
-              <a:srgbClr val="C1327B">
-                <a:alpha val="100000"/>
-              </a:srgbClr>
-            </a:solidFill>
-          </p:spPr>
-          <p:txBody>
-            <a:bodyPr/>
-            <a:lstStyle/>
-            <a:p/>
-          </p:txBody>
-        </p:sp>
-        <p:sp>
-          <p:nvSpPr>
-            <p:cNvPr id="44" name="rc44"/>
-            <p:cNvSpPr/>
-            <p:nvPr/>
-          </p:nvSpPr>
-          <p:spPr>
-            <a:xfrm>
-              <a:off x="5182415" y="8339643"/>
-              <a:ext cx="516880" cy="1337194"/>
-            </a:xfrm>
-            <a:prstGeom prst="rect">
-              <a:avLst/>
-            </a:prstGeom>
-            <a:solidFill>
-              <a:srgbClr val="F44336">
-                <a:alpha val="100000"/>
-              </a:srgbClr>
-            </a:solidFill>
-          </p:spPr>
-          <p:txBody>
-            <a:bodyPr/>
-            <a:lstStyle/>
-            <a:p/>
-          </p:txBody>
-        </p:sp>
-        <p:sp>
-          <p:nvSpPr>
-            <p:cNvPr id="45" name="tx45"/>
-            <p:cNvSpPr/>
-            <p:nvPr/>
-          </p:nvSpPr>
-          <p:spPr>
-            <a:xfrm>
-              <a:off x="1370433" y="8993002"/>
-              <a:ext cx="100482" cy="129860"/>
-            </a:xfrm>
-            <a:prstGeom prst="rect">
-              <a:avLst/>
-            </a:prstGeom>
-            <a:noFill/>
-          </p:spPr>
-          <p:txBody>
-            <a:bodyPr lIns="0" rIns="0" tIns="0" bIns="0" anchorCtr="1" anchor="ctr" wrap="none"/>
-            <a:lstStyle/>
-            <a:p>
-              <a:pPr algn="l" marL="0" marR="0" indent="0">
-                <a:lnSpc>
-                  <a:spcPts val="1422"/>
-                </a:lnSpc>
-                <a:spcBef>
-                  <a:spcPts val="0"/>
-                </a:spcBef>
-                <a:spcAft>
-                  <a:spcPts val="0"/>
-                </a:spcAft>
-              </a:pPr>
-              <a:r>
-                <a:rPr sz="1422">
+                <a:rPr sz="1138">
                   <a:solidFill>
                     <a:srgbClr val="000000">
                       <a:alpha val="100000"/>
@@ -3830,14 +3943,14 @@
         </p:sp>
         <p:sp>
           <p:nvSpPr>
-            <p:cNvPr id="46" name="tx46"/>
-            <p:cNvSpPr/>
-            <p:nvPr/>
-          </p:nvSpPr>
-          <p:spPr>
-            <a:xfrm>
-              <a:off x="1229943" y="9213475"/>
-              <a:ext cx="381464" cy="169559"/>
+            <p:cNvPr id="47" name="tx47"/>
+            <p:cNvSpPr/>
+            <p:nvPr/>
+          </p:nvSpPr>
+          <p:spPr>
+            <a:xfrm>
+              <a:off x="5380385" y="4820139"/>
+              <a:ext cx="305171" cy="135647"/>
             </a:xfrm>
             <a:prstGeom prst="rect">
               <a:avLst/>
@@ -3850,7 +3963,7 @@
             <a:p>
               <a:pPr algn="l" marL="0" marR="0" indent="0">
                 <a:lnSpc>
-                  <a:spcPts val="1422"/>
+                  <a:spcPts val="1138"/>
                 </a:lnSpc>
                 <a:spcBef>
                   <a:spcPts val="0"/>
@@ -3860,7 +3973,7 @@
                 </a:spcAft>
               </a:pPr>
               <a:r>
-                <a:rPr sz="1422">
+                <a:rPr sz="1138">
                   <a:solidFill>
                     <a:srgbClr val="000000">
                       <a:alpha val="100000"/>
@@ -3876,14 +3989,14 @@
         </p:sp>
         <p:sp>
           <p:nvSpPr>
-            <p:cNvPr id="47" name="tx47"/>
-            <p:cNvSpPr/>
-            <p:nvPr/>
-          </p:nvSpPr>
-          <p:spPr>
-            <a:xfrm>
-              <a:off x="1944745" y="8693643"/>
-              <a:ext cx="100482" cy="132065"/>
+            <p:cNvPr id="48" name="tx48"/>
+            <p:cNvSpPr/>
+            <p:nvPr/>
+          </p:nvSpPr>
+          <p:spPr>
+            <a:xfrm>
+              <a:off x="5941875" y="4298154"/>
+              <a:ext cx="80386" cy="105652"/>
             </a:xfrm>
             <a:prstGeom prst="rect">
               <a:avLst/>
@@ -3896,7 +4009,7 @@
             <a:p>
               <a:pPr algn="l" marL="0" marR="0" indent="0">
                 <a:lnSpc>
-                  <a:spcPts val="1422"/>
+                  <a:spcPts val="1138"/>
                 </a:lnSpc>
                 <a:spcBef>
                   <a:spcPts val="0"/>
@@ -3906,7 +4019,7 @@
                 </a:spcAft>
               </a:pPr>
               <a:r>
-                <a:rPr sz="1422">
+                <a:rPr sz="1138">
                   <a:solidFill>
                     <a:srgbClr val="000000">
                       <a:alpha val="100000"/>
@@ -3922,14 +4035,14 @@
         </p:sp>
         <p:sp>
           <p:nvSpPr>
-            <p:cNvPr id="48" name="tx48"/>
-            <p:cNvSpPr/>
-            <p:nvPr/>
-          </p:nvSpPr>
-          <p:spPr>
-            <a:xfrm>
-              <a:off x="1804254" y="8916321"/>
-              <a:ext cx="381464" cy="169559"/>
+            <p:cNvPr id="49" name="tx49"/>
+            <p:cNvSpPr/>
+            <p:nvPr/>
+          </p:nvSpPr>
+          <p:spPr>
+            <a:xfrm>
+              <a:off x="5829482" y="4476297"/>
+              <a:ext cx="305171" cy="135647"/>
             </a:xfrm>
             <a:prstGeom prst="rect">
               <a:avLst/>
@@ -3942,7 +4055,7 @@
             <a:p>
               <a:pPr algn="l" marL="0" marR="0" indent="0">
                 <a:lnSpc>
-                  <a:spcPts val="1422"/>
+                  <a:spcPts val="1138"/>
                 </a:lnSpc>
                 <a:spcBef>
                   <a:spcPts val="0"/>
@@ -3952,7 +4065,7 @@
                 </a:spcAft>
               </a:pPr>
               <a:r>
-                <a:rPr sz="1422">
+                <a:rPr sz="1138">
                   <a:solidFill>
                     <a:srgbClr val="000000">
                       <a:alpha val="100000"/>
@@ -3968,14 +4081,14 @@
         </p:sp>
         <p:sp>
           <p:nvSpPr>
-            <p:cNvPr id="49" name="tx49"/>
-            <p:cNvSpPr/>
-            <p:nvPr/>
-          </p:nvSpPr>
-          <p:spPr>
-            <a:xfrm>
-              <a:off x="2519057" y="8747579"/>
-              <a:ext cx="100482" cy="127654"/>
+            <p:cNvPr id="50" name="tx50"/>
+            <p:cNvSpPr/>
+            <p:nvPr/>
+          </p:nvSpPr>
+          <p:spPr>
+            <a:xfrm>
+              <a:off x="6390972" y="4358990"/>
+              <a:ext cx="80386" cy="102123"/>
             </a:xfrm>
             <a:prstGeom prst="rect">
               <a:avLst/>
@@ -3988,7 +4101,7 @@
             <a:p>
               <a:pPr algn="l" marL="0" marR="0" indent="0">
                 <a:lnSpc>
-                  <a:spcPts val="1422"/>
+                  <a:spcPts val="1138"/>
                 </a:lnSpc>
                 <a:spcBef>
                   <a:spcPts val="0"/>
@@ -3998,7 +4111,7 @@
                 </a:spcAft>
               </a:pPr>
               <a:r>
-                <a:rPr sz="1422">
+                <a:rPr sz="1138">
                   <a:solidFill>
                     <a:srgbClr val="000000">
                       <a:alpha val="100000"/>
@@ -4014,14 +4127,14 @@
         </p:sp>
         <p:sp>
           <p:nvSpPr>
-            <p:cNvPr id="50" name="tx50"/>
-            <p:cNvSpPr/>
-            <p:nvPr/>
-          </p:nvSpPr>
-          <p:spPr>
-            <a:xfrm>
-              <a:off x="2378566" y="8965847"/>
-              <a:ext cx="381464" cy="169559"/>
+            <p:cNvPr id="51" name="tx51"/>
+            <p:cNvSpPr/>
+            <p:nvPr/>
+          </p:nvSpPr>
+          <p:spPr>
+            <a:xfrm>
+              <a:off x="6278579" y="4533604"/>
+              <a:ext cx="305171" cy="135647"/>
             </a:xfrm>
             <a:prstGeom prst="rect">
               <a:avLst/>
@@ -4034,7 +4147,7 @@
             <a:p>
               <a:pPr algn="l" marL="0" marR="0" indent="0">
                 <a:lnSpc>
-                  <a:spcPts val="1422"/>
+                  <a:spcPts val="1138"/>
                 </a:lnSpc>
                 <a:spcBef>
                   <a:spcPts val="0"/>
@@ -4044,7 +4157,7 @@
                 </a:spcAft>
               </a:pPr>
               <a:r>
-                <a:rPr sz="1422">
+                <a:rPr sz="1138">
                   <a:solidFill>
                     <a:srgbClr val="000000">
                       <a:alpha val="100000"/>
@@ -4060,14 +4173,14 @@
         </p:sp>
         <p:sp>
           <p:nvSpPr>
-            <p:cNvPr id="51" name="tx51"/>
-            <p:cNvSpPr/>
-            <p:nvPr/>
-          </p:nvSpPr>
-          <p:spPr>
-            <a:xfrm>
-              <a:off x="3043127" y="8297437"/>
-              <a:ext cx="200965" cy="132065"/>
+            <p:cNvPr id="52" name="tx52"/>
+            <p:cNvSpPr/>
+            <p:nvPr/>
+          </p:nvSpPr>
+          <p:spPr>
+            <a:xfrm>
+              <a:off x="6799876" y="2005875"/>
+              <a:ext cx="160772" cy="105652"/>
             </a:xfrm>
             <a:prstGeom prst="rect">
               <a:avLst/>
@@ -4080,7 +4193,7 @@
             <a:p>
               <a:pPr algn="l" marL="0" marR="0" indent="0">
                 <a:lnSpc>
-                  <a:spcPts val="1422"/>
+                  <a:spcPts val="1138"/>
                 </a:lnSpc>
                 <a:spcBef>
                   <a:spcPts val="0"/>
@@ -4090,7 +4203,283 @@
                 </a:spcAft>
               </a:pPr>
               <a:r>
-                <a:rPr sz="1422">
+                <a:rPr sz="1138">
+                  <a:solidFill>
+                    <a:srgbClr val="000000">
+                      <a:alpha val="100000"/>
+                    </a:srgbClr>
+                  </a:solidFill>
+                  <a:latin typeface="Arial"/>
+                  <a:cs typeface="Arial"/>
+                </a:rPr>
+                <a:t>48</a:t>
+              </a:r>
+            </a:p>
+          </p:txBody>
+        </p:sp>
+        <p:sp>
+          <p:nvSpPr>
+            <p:cNvPr id="53" name="tx53"/>
+            <p:cNvSpPr/>
+            <p:nvPr/>
+          </p:nvSpPr>
+          <p:spPr>
+            <a:xfrm>
+              <a:off x="6687483" y="2184018"/>
+              <a:ext cx="385557" cy="135647"/>
+            </a:xfrm>
+            <a:prstGeom prst="rect">
+              <a:avLst/>
+            </a:prstGeom>
+            <a:noFill/>
+          </p:spPr>
+          <p:txBody>
+            <a:bodyPr lIns="0" rIns="0" tIns="0" bIns="0" anchorCtr="1" anchor="ctr" wrap="none"/>
+            <a:lstStyle/>
+            <a:p>
+              <a:pPr algn="l" marL="0" marR="0" indent="0">
+                <a:lnSpc>
+                  <a:spcPts val="1138"/>
+                </a:lnSpc>
+                <a:spcBef>
+                  <a:spcPts val="0"/>
+                </a:spcBef>
+                <a:spcAft>
+                  <a:spcPts val="0"/>
+                </a:spcAft>
+              </a:pPr>
+              <a:r>
+                <a:rPr sz="1138">
+                  <a:solidFill>
+                    <a:srgbClr val="000000">
+                      <a:alpha val="100000"/>
+                    </a:srgbClr>
+                  </a:solidFill>
+                  <a:latin typeface="Arial"/>
+                  <a:cs typeface="Arial"/>
+                </a:rPr>
+                <a:t>(33%)</a:t>
+              </a:r>
+            </a:p>
+          </p:txBody>
+        </p:sp>
+        <p:sp>
+          <p:nvSpPr>
+            <p:cNvPr id="54" name="tx54"/>
+            <p:cNvSpPr/>
+            <p:nvPr/>
+          </p:nvSpPr>
+          <p:spPr>
+            <a:xfrm>
+              <a:off x="7248973" y="3667777"/>
+              <a:ext cx="160772" cy="105652"/>
+            </a:xfrm>
+            <a:prstGeom prst="rect">
+              <a:avLst/>
+            </a:prstGeom>
+            <a:noFill/>
+          </p:spPr>
+          <p:txBody>
+            <a:bodyPr lIns="0" rIns="0" tIns="0" bIns="0" anchorCtr="1" anchor="ctr" wrap="none"/>
+            <a:lstStyle/>
+            <a:p>
+              <a:pPr algn="l" marL="0" marR="0" indent="0">
+                <a:lnSpc>
+                  <a:spcPts val="1138"/>
+                </a:lnSpc>
+                <a:spcBef>
+                  <a:spcPts val="0"/>
+                </a:spcBef>
+                <a:spcAft>
+                  <a:spcPts val="0"/>
+                </a:spcAft>
+              </a:pPr>
+              <a:r>
+                <a:rPr sz="1138">
+                  <a:solidFill>
+                    <a:srgbClr val="000000">
+                      <a:alpha val="100000"/>
+                    </a:srgbClr>
+                  </a:solidFill>
+                  <a:latin typeface="Arial"/>
+                  <a:cs typeface="Arial"/>
+                </a:rPr>
+                <a:t>19</a:t>
+              </a:r>
+            </a:p>
+          </p:txBody>
+        </p:sp>
+        <p:sp>
+          <p:nvSpPr>
+            <p:cNvPr id="55" name="tx55"/>
+            <p:cNvSpPr/>
+            <p:nvPr/>
+          </p:nvSpPr>
+          <p:spPr>
+            <a:xfrm>
+              <a:off x="7136580" y="3845920"/>
+              <a:ext cx="385557" cy="135647"/>
+            </a:xfrm>
+            <a:prstGeom prst="rect">
+              <a:avLst/>
+            </a:prstGeom>
+            <a:noFill/>
+          </p:spPr>
+          <p:txBody>
+            <a:bodyPr lIns="0" rIns="0" tIns="0" bIns="0" anchorCtr="1" anchor="ctr" wrap="none"/>
+            <a:lstStyle/>
+            <a:p>
+              <a:pPr algn="l" marL="0" marR="0" indent="0">
+                <a:lnSpc>
+                  <a:spcPts val="1138"/>
+                </a:lnSpc>
+                <a:spcBef>
+                  <a:spcPts val="0"/>
+                </a:spcBef>
+                <a:spcAft>
+                  <a:spcPts val="0"/>
+                </a:spcAft>
+              </a:pPr>
+              <a:r>
+                <a:rPr sz="1138">
+                  <a:solidFill>
+                    <a:srgbClr val="000000">
+                      <a:alpha val="100000"/>
+                    </a:srgbClr>
+                  </a:solidFill>
+                  <a:latin typeface="Arial"/>
+                  <a:cs typeface="Arial"/>
+                </a:rPr>
+                <a:t>(13%)</a:t>
+              </a:r>
+            </a:p>
+          </p:txBody>
+        </p:sp>
+        <p:sp>
+          <p:nvSpPr>
+            <p:cNvPr id="56" name="tx56"/>
+            <p:cNvSpPr/>
+            <p:nvPr/>
+          </p:nvSpPr>
+          <p:spPr>
+            <a:xfrm>
+              <a:off x="7698070" y="3784156"/>
+              <a:ext cx="160772" cy="103888"/>
+            </a:xfrm>
+            <a:prstGeom prst="rect">
+              <a:avLst/>
+            </a:prstGeom>
+            <a:noFill/>
+          </p:spPr>
+          <p:txBody>
+            <a:bodyPr lIns="0" rIns="0" tIns="0" bIns="0" anchorCtr="1" anchor="ctr" wrap="none"/>
+            <a:lstStyle/>
+            <a:p>
+              <a:pPr algn="l" marL="0" marR="0" indent="0">
+                <a:lnSpc>
+                  <a:spcPts val="1138"/>
+                </a:lnSpc>
+                <a:spcBef>
+                  <a:spcPts val="0"/>
+                </a:spcBef>
+                <a:spcAft>
+                  <a:spcPts val="0"/>
+                </a:spcAft>
+              </a:pPr>
+              <a:r>
+                <a:rPr sz="1138">
+                  <a:solidFill>
+                    <a:srgbClr val="000000">
+                      <a:alpha val="100000"/>
+                    </a:srgbClr>
+                  </a:solidFill>
+                  <a:latin typeface="Arial"/>
+                  <a:cs typeface="Arial"/>
+                </a:rPr>
+                <a:t>17</a:t>
+              </a:r>
+            </a:p>
+          </p:txBody>
+        </p:sp>
+        <p:sp>
+          <p:nvSpPr>
+            <p:cNvPr id="57" name="tx57"/>
+            <p:cNvSpPr/>
+            <p:nvPr/>
+          </p:nvSpPr>
+          <p:spPr>
+            <a:xfrm>
+              <a:off x="7585677" y="3960534"/>
+              <a:ext cx="385557" cy="135647"/>
+            </a:xfrm>
+            <a:prstGeom prst="rect">
+              <a:avLst/>
+            </a:prstGeom>
+            <a:noFill/>
+          </p:spPr>
+          <p:txBody>
+            <a:bodyPr lIns="0" rIns="0" tIns="0" bIns="0" anchorCtr="1" anchor="ctr" wrap="none"/>
+            <a:lstStyle/>
+            <a:p>
+              <a:pPr algn="l" marL="0" marR="0" indent="0">
+                <a:lnSpc>
+                  <a:spcPts val="1138"/>
+                </a:lnSpc>
+                <a:spcBef>
+                  <a:spcPts val="0"/>
+                </a:spcBef>
+                <a:spcAft>
+                  <a:spcPts val="0"/>
+                </a:spcAft>
+              </a:pPr>
+              <a:r>
+                <a:rPr sz="1138">
+                  <a:solidFill>
+                    <a:srgbClr val="000000">
+                      <a:alpha val="100000"/>
+                    </a:srgbClr>
+                  </a:solidFill>
+                  <a:latin typeface="Arial"/>
+                  <a:cs typeface="Arial"/>
+                </a:rPr>
+                <a:t>(12%)</a:t>
+              </a:r>
+            </a:p>
+          </p:txBody>
+        </p:sp>
+        <p:sp>
+          <p:nvSpPr>
+            <p:cNvPr id="58" name="tx58"/>
+            <p:cNvSpPr/>
+            <p:nvPr/>
+          </p:nvSpPr>
+          <p:spPr>
+            <a:xfrm>
+              <a:off x="8147167" y="3839698"/>
+              <a:ext cx="160772" cy="105652"/>
+            </a:xfrm>
+            <a:prstGeom prst="rect">
+              <a:avLst/>
+            </a:prstGeom>
+            <a:noFill/>
+          </p:spPr>
+          <p:txBody>
+            <a:bodyPr lIns="0" rIns="0" tIns="0" bIns="0" anchorCtr="1" anchor="ctr" wrap="none"/>
+            <a:lstStyle/>
+            <a:p>
+              <a:pPr algn="l" marL="0" marR="0" indent="0">
+                <a:lnSpc>
+                  <a:spcPts val="1138"/>
+                </a:lnSpc>
+                <a:spcBef>
+                  <a:spcPts val="0"/>
+                </a:spcBef>
+                <a:spcAft>
+                  <a:spcPts val="0"/>
+                </a:spcAft>
+              </a:pPr>
+              <a:r>
+                <a:rPr sz="1138">
                   <a:solidFill>
                     <a:srgbClr val="000000">
                       <a:alpha val="100000"/>
@@ -4106,14 +4495,14 @@
         </p:sp>
         <p:sp>
           <p:nvSpPr>
-            <p:cNvPr id="52" name="tx52"/>
-            <p:cNvSpPr/>
-            <p:nvPr/>
-          </p:nvSpPr>
-          <p:spPr>
-            <a:xfrm>
-              <a:off x="2902636" y="8520115"/>
-              <a:ext cx="481947" cy="169559"/>
+            <p:cNvPr id="59" name="tx59"/>
+            <p:cNvSpPr/>
+            <p:nvPr/>
+          </p:nvSpPr>
+          <p:spPr>
+            <a:xfrm>
+              <a:off x="8034774" y="4017841"/>
+              <a:ext cx="385557" cy="135647"/>
             </a:xfrm>
             <a:prstGeom prst="rect">
               <a:avLst/>
@@ -4126,7 +4515,7 @@
             <a:p>
               <a:pPr algn="l" marL="0" marR="0" indent="0">
                 <a:lnSpc>
-                  <a:spcPts val="1422"/>
+                  <a:spcPts val="1138"/>
                 </a:lnSpc>
                 <a:spcBef>
                   <a:spcPts val="0"/>
@@ -4136,7 +4525,7 @@
                 </a:spcAft>
               </a:pPr>
               <a:r>
-                <a:rPr sz="1422">
+                <a:rPr sz="1138">
                   <a:solidFill>
                     <a:srgbClr val="000000">
                       <a:alpha val="100000"/>
@@ -4152,389 +4541,21 @@
         </p:sp>
         <p:sp>
           <p:nvSpPr>
-            <p:cNvPr id="53" name="tx53"/>
-            <p:cNvSpPr/>
-            <p:nvPr/>
-          </p:nvSpPr>
-          <p:spPr>
-            <a:xfrm>
-              <a:off x="3617438" y="6712613"/>
-              <a:ext cx="200965" cy="132065"/>
-            </a:xfrm>
-            <a:prstGeom prst="rect">
-              <a:avLst/>
-            </a:prstGeom>
-            <a:noFill/>
-          </p:spPr>
-          <p:txBody>
-            <a:bodyPr lIns="0" rIns="0" tIns="0" bIns="0" anchorCtr="1" anchor="ctr" wrap="none"/>
-            <a:lstStyle/>
-            <a:p>
-              <a:pPr algn="l" marL="0" marR="0" indent="0">
-                <a:lnSpc>
-                  <a:spcPts val="1422"/>
-                </a:lnSpc>
-                <a:spcBef>
-                  <a:spcPts val="0"/>
-                </a:spcBef>
-                <a:spcAft>
-                  <a:spcPts val="0"/>
-                </a:spcAft>
-              </a:pPr>
-              <a:r>
-                <a:rPr sz="1422">
-                  <a:solidFill>
-                    <a:srgbClr val="000000">
-                      <a:alpha val="100000"/>
-                    </a:srgbClr>
-                  </a:solidFill>
-                  <a:latin typeface="Arial"/>
-                  <a:cs typeface="Arial"/>
-                </a:rPr>
-                <a:t>48</a:t>
-              </a:r>
-            </a:p>
-          </p:txBody>
-        </p:sp>
-        <p:sp>
-          <p:nvSpPr>
-            <p:cNvPr id="54" name="tx54"/>
-            <p:cNvSpPr/>
-            <p:nvPr/>
-          </p:nvSpPr>
-          <p:spPr>
-            <a:xfrm>
-              <a:off x="3476948" y="6935292"/>
-              <a:ext cx="481947" cy="169559"/>
-            </a:xfrm>
-            <a:prstGeom prst="rect">
-              <a:avLst/>
-            </a:prstGeom>
-            <a:noFill/>
-          </p:spPr>
-          <p:txBody>
-            <a:bodyPr lIns="0" rIns="0" tIns="0" bIns="0" anchorCtr="1" anchor="ctr" wrap="none"/>
-            <a:lstStyle/>
-            <a:p>
-              <a:pPr algn="l" marL="0" marR="0" indent="0">
-                <a:lnSpc>
-                  <a:spcPts val="1422"/>
-                </a:lnSpc>
-                <a:spcBef>
-                  <a:spcPts val="0"/>
-                </a:spcBef>
-                <a:spcAft>
-                  <a:spcPts val="0"/>
-                </a:spcAft>
-              </a:pPr>
-              <a:r>
-                <a:rPr sz="1422">
-                  <a:solidFill>
-                    <a:srgbClr val="000000">
-                      <a:alpha val="100000"/>
-                    </a:srgbClr>
-                  </a:solidFill>
-                  <a:latin typeface="Arial"/>
-                  <a:cs typeface="Arial"/>
-                </a:rPr>
-                <a:t>(33%)</a:t>
-              </a:r>
-            </a:p>
-          </p:txBody>
-        </p:sp>
-        <p:sp>
-          <p:nvSpPr>
-            <p:cNvPr id="55" name="tx55"/>
-            <p:cNvSpPr/>
-            <p:nvPr/>
-          </p:nvSpPr>
-          <p:spPr>
-            <a:xfrm>
-              <a:off x="4191750" y="8148860"/>
-              <a:ext cx="200965" cy="132065"/>
-            </a:xfrm>
-            <a:prstGeom prst="rect">
-              <a:avLst/>
-            </a:prstGeom>
-            <a:noFill/>
-          </p:spPr>
-          <p:txBody>
-            <a:bodyPr lIns="0" rIns="0" tIns="0" bIns="0" anchorCtr="1" anchor="ctr" wrap="none"/>
-            <a:lstStyle/>
-            <a:p>
-              <a:pPr algn="l" marL="0" marR="0" indent="0">
-                <a:lnSpc>
-                  <a:spcPts val="1422"/>
-                </a:lnSpc>
-                <a:spcBef>
-                  <a:spcPts val="0"/>
-                </a:spcBef>
-                <a:spcAft>
-                  <a:spcPts val="0"/>
-                </a:spcAft>
-              </a:pPr>
-              <a:r>
-                <a:rPr sz="1422">
-                  <a:solidFill>
-                    <a:srgbClr val="000000">
-                      <a:alpha val="100000"/>
-                    </a:srgbClr>
-                  </a:solidFill>
-                  <a:latin typeface="Arial"/>
-                  <a:cs typeface="Arial"/>
-                </a:rPr>
-                <a:t>19</a:t>
-              </a:r>
-            </a:p>
-          </p:txBody>
-        </p:sp>
-        <p:sp>
-          <p:nvSpPr>
-            <p:cNvPr id="56" name="tx56"/>
-            <p:cNvSpPr/>
-            <p:nvPr/>
-          </p:nvSpPr>
-          <p:spPr>
-            <a:xfrm>
-              <a:off x="4051259" y="8371538"/>
-              <a:ext cx="481947" cy="169559"/>
-            </a:xfrm>
-            <a:prstGeom prst="rect">
-              <a:avLst/>
-            </a:prstGeom>
-            <a:noFill/>
-          </p:spPr>
-          <p:txBody>
-            <a:bodyPr lIns="0" rIns="0" tIns="0" bIns="0" anchorCtr="1" anchor="ctr" wrap="none"/>
-            <a:lstStyle/>
-            <a:p>
-              <a:pPr algn="l" marL="0" marR="0" indent="0">
-                <a:lnSpc>
-                  <a:spcPts val="1422"/>
-                </a:lnSpc>
-                <a:spcBef>
-                  <a:spcPts val="0"/>
-                </a:spcBef>
-                <a:spcAft>
-                  <a:spcPts val="0"/>
-                </a:spcAft>
-              </a:pPr>
-              <a:r>
-                <a:rPr sz="1422">
-                  <a:solidFill>
-                    <a:srgbClr val="000000">
-                      <a:alpha val="100000"/>
-                    </a:srgbClr>
-                  </a:solidFill>
-                  <a:latin typeface="Arial"/>
-                  <a:cs typeface="Arial"/>
-                </a:rPr>
-                <a:t>(13%)</a:t>
-              </a:r>
-            </a:p>
-          </p:txBody>
-        </p:sp>
-        <p:sp>
-          <p:nvSpPr>
-            <p:cNvPr id="57" name="tx57"/>
-            <p:cNvSpPr/>
-            <p:nvPr/>
-          </p:nvSpPr>
-          <p:spPr>
-            <a:xfrm>
-              <a:off x="4766061" y="8250116"/>
-              <a:ext cx="200965" cy="129860"/>
-            </a:xfrm>
-            <a:prstGeom prst="rect">
-              <a:avLst/>
-            </a:prstGeom>
-            <a:noFill/>
-          </p:spPr>
-          <p:txBody>
-            <a:bodyPr lIns="0" rIns="0" tIns="0" bIns="0" anchorCtr="1" anchor="ctr" wrap="none"/>
-            <a:lstStyle/>
-            <a:p>
-              <a:pPr algn="l" marL="0" marR="0" indent="0">
-                <a:lnSpc>
-                  <a:spcPts val="1422"/>
-                </a:lnSpc>
-                <a:spcBef>
-                  <a:spcPts val="0"/>
-                </a:spcBef>
-                <a:spcAft>
-                  <a:spcPts val="0"/>
-                </a:spcAft>
-              </a:pPr>
-              <a:r>
-                <a:rPr sz="1422">
-                  <a:solidFill>
-                    <a:srgbClr val="000000">
-                      <a:alpha val="100000"/>
-                    </a:srgbClr>
-                  </a:solidFill>
-                  <a:latin typeface="Arial"/>
-                  <a:cs typeface="Arial"/>
-                </a:rPr>
-                <a:t>17</a:t>
-              </a:r>
-            </a:p>
-          </p:txBody>
-        </p:sp>
-        <p:sp>
-          <p:nvSpPr>
-            <p:cNvPr id="58" name="tx58"/>
-            <p:cNvSpPr/>
-            <p:nvPr/>
-          </p:nvSpPr>
-          <p:spPr>
-            <a:xfrm>
-              <a:off x="4625571" y="8470589"/>
-              <a:ext cx="481947" cy="169559"/>
-            </a:xfrm>
-            <a:prstGeom prst="rect">
-              <a:avLst/>
-            </a:prstGeom>
-            <a:noFill/>
-          </p:spPr>
-          <p:txBody>
-            <a:bodyPr lIns="0" rIns="0" tIns="0" bIns="0" anchorCtr="1" anchor="ctr" wrap="none"/>
-            <a:lstStyle/>
-            <a:p>
-              <a:pPr algn="l" marL="0" marR="0" indent="0">
-                <a:lnSpc>
-                  <a:spcPts val="1422"/>
-                </a:lnSpc>
-                <a:spcBef>
-                  <a:spcPts val="0"/>
-                </a:spcBef>
-                <a:spcAft>
-                  <a:spcPts val="0"/>
-                </a:spcAft>
-              </a:pPr>
-              <a:r>
-                <a:rPr sz="1422">
-                  <a:solidFill>
-                    <a:srgbClr val="000000">
-                      <a:alpha val="100000"/>
-                    </a:srgbClr>
-                  </a:solidFill>
-                  <a:latin typeface="Arial"/>
-                  <a:cs typeface="Arial"/>
-                </a:rPr>
-                <a:t>(12%)</a:t>
-              </a:r>
-            </a:p>
-          </p:txBody>
-        </p:sp>
-        <p:sp>
-          <p:nvSpPr>
-            <p:cNvPr id="59" name="tx59"/>
-            <p:cNvSpPr/>
-            <p:nvPr/>
-          </p:nvSpPr>
-          <p:spPr>
-            <a:xfrm>
-              <a:off x="5340373" y="7754859"/>
-              <a:ext cx="200965" cy="129860"/>
-            </a:xfrm>
-            <a:prstGeom prst="rect">
-              <a:avLst/>
-            </a:prstGeom>
-            <a:noFill/>
-          </p:spPr>
-          <p:txBody>
-            <a:bodyPr lIns="0" rIns="0" tIns="0" bIns="0" anchorCtr="1" anchor="ctr" wrap="none"/>
-            <a:lstStyle/>
-            <a:p>
-              <a:pPr algn="l" marL="0" marR="0" indent="0">
-                <a:lnSpc>
-                  <a:spcPts val="1422"/>
-                </a:lnSpc>
-                <a:spcBef>
-                  <a:spcPts val="0"/>
-                </a:spcBef>
-                <a:spcAft>
-                  <a:spcPts val="0"/>
-                </a:spcAft>
-              </a:pPr>
-              <a:r>
-                <a:rPr sz="1422">
-                  <a:solidFill>
-                    <a:srgbClr val="000000">
-                      <a:alpha val="100000"/>
-                    </a:srgbClr>
-                  </a:solidFill>
-                  <a:latin typeface="Arial"/>
-                  <a:cs typeface="Arial"/>
-                </a:rPr>
-                <a:t>27</a:t>
-              </a:r>
-            </a:p>
-          </p:txBody>
-        </p:sp>
-        <p:sp>
-          <p:nvSpPr>
-            <p:cNvPr id="60" name="tx60"/>
-            <p:cNvSpPr/>
-            <p:nvPr/>
-          </p:nvSpPr>
-          <p:spPr>
-            <a:xfrm>
-              <a:off x="5199882" y="7975332"/>
-              <a:ext cx="481947" cy="169559"/>
-            </a:xfrm>
-            <a:prstGeom prst="rect">
-              <a:avLst/>
-            </a:prstGeom>
-            <a:noFill/>
-          </p:spPr>
-          <p:txBody>
-            <a:bodyPr lIns="0" rIns="0" tIns="0" bIns="0" anchorCtr="1" anchor="ctr" wrap="none"/>
-            <a:lstStyle/>
-            <a:p>
-              <a:pPr algn="l" marL="0" marR="0" indent="0">
-                <a:lnSpc>
-                  <a:spcPts val="1422"/>
-                </a:lnSpc>
-                <a:spcBef>
-                  <a:spcPts val="0"/>
-                </a:spcBef>
-                <a:spcAft>
-                  <a:spcPts val="0"/>
-                </a:spcAft>
-              </a:pPr>
-              <a:r>
-                <a:rPr sz="1422">
-                  <a:solidFill>
-                    <a:srgbClr val="000000">
-                      <a:alpha val="100000"/>
-                    </a:srgbClr>
-                  </a:solidFill>
-                  <a:latin typeface="Arial"/>
-                  <a:cs typeface="Arial"/>
-                </a:rPr>
-                <a:t>(19%)</a:t>
-              </a:r>
-            </a:p>
-          </p:txBody>
-        </p:sp>
-        <p:sp>
-          <p:nvSpPr>
-            <p:cNvPr id="61" name="pl61"/>
-            <p:cNvSpPr/>
-            <p:nvPr/>
-          </p:nvSpPr>
-          <p:spPr>
-            <a:xfrm>
-              <a:off x="1076088" y="6586432"/>
-              <a:ext cx="0" cy="3090405"/>
+            <p:cNvPr id="60" name="pl60"/>
+            <p:cNvSpPr/>
+            <p:nvPr/>
+          </p:nvSpPr>
+          <p:spPr>
+            <a:xfrm>
+              <a:off x="4814416" y="1650246"/>
+              <a:ext cx="0" cy="3575955"/>
             </a:xfrm>
             <a:custGeom>
               <a:avLst/>
               <a:pathLst>
-                <a:path w="0" h="3090405">
+                <a:path w="0" h="3575955">
                   <a:moveTo>
-                    <a:pt x="0" y="3090405"/>
+                    <a:pt x="0" y="3575955"/>
                   </a:moveTo>
                   <a:lnTo>
                     <a:pt x="0" y="0"/>
@@ -4560,13 +4581,13 @@
         </p:sp>
         <p:sp>
           <p:nvSpPr>
-            <p:cNvPr id="62" name="tx62"/>
-            <p:cNvSpPr/>
-            <p:nvPr/>
-          </p:nvSpPr>
-          <p:spPr>
-            <a:xfrm>
-              <a:off x="909089" y="9619985"/>
+            <p:cNvPr id="61" name="tx61"/>
+            <p:cNvSpPr/>
+            <p:nvPr/>
+          </p:nvSpPr>
+          <p:spPr>
+            <a:xfrm>
+              <a:off x="4647417" y="5169349"/>
               <a:ext cx="84757" cy="111397"/>
             </a:xfrm>
             <a:prstGeom prst="rect">
@@ -4606,13 +4627,13 @@
         </p:sp>
         <p:sp>
           <p:nvSpPr>
-            <p:cNvPr id="63" name="tx63"/>
-            <p:cNvSpPr/>
-            <p:nvPr/>
-          </p:nvSpPr>
-          <p:spPr>
-            <a:xfrm>
-              <a:off x="824331" y="8629471"/>
+            <p:cNvPr id="62" name="tx62"/>
+            <p:cNvSpPr/>
+            <p:nvPr/>
+          </p:nvSpPr>
+          <p:spPr>
+            <a:xfrm>
+              <a:off x="4562659" y="4023209"/>
               <a:ext cx="169515" cy="111397"/>
             </a:xfrm>
             <a:prstGeom prst="rect">
@@ -4652,13 +4673,13 @@
         </p:sp>
         <p:sp>
           <p:nvSpPr>
-            <p:cNvPr id="64" name="tx64"/>
-            <p:cNvSpPr/>
-            <p:nvPr/>
-          </p:nvSpPr>
-          <p:spPr>
-            <a:xfrm>
-              <a:off x="824331" y="7638956"/>
+            <p:cNvPr id="63" name="tx63"/>
+            <p:cNvSpPr/>
+            <p:nvPr/>
+          </p:nvSpPr>
+          <p:spPr>
+            <a:xfrm>
+              <a:off x="4562659" y="2877070"/>
               <a:ext cx="169515" cy="111397"/>
             </a:xfrm>
             <a:prstGeom prst="rect">
@@ -4698,13 +4719,13 @@
         </p:sp>
         <p:sp>
           <p:nvSpPr>
-            <p:cNvPr id="65" name="tx65"/>
-            <p:cNvSpPr/>
-            <p:nvPr/>
-          </p:nvSpPr>
-          <p:spPr>
-            <a:xfrm>
-              <a:off x="824331" y="6648441"/>
+            <p:cNvPr id="64" name="tx64"/>
+            <p:cNvSpPr/>
+            <p:nvPr/>
+          </p:nvSpPr>
+          <p:spPr>
+            <a:xfrm>
+              <a:off x="4562659" y="1730930"/>
               <a:ext cx="169515" cy="111397"/>
             </a:xfrm>
             <a:prstGeom prst="rect">
@@ -4744,13 +4765,13 @@
         </p:sp>
         <p:sp>
           <p:nvSpPr>
-            <p:cNvPr id="66" name="pl66"/>
-            <p:cNvSpPr/>
-            <p:nvPr/>
-          </p:nvSpPr>
-          <p:spPr>
-            <a:xfrm>
-              <a:off x="1031804" y="9676838"/>
+            <p:cNvPr id="65" name="pl65"/>
+            <p:cNvSpPr/>
+            <p:nvPr/>
+          </p:nvSpPr>
+          <p:spPr>
+            <a:xfrm>
+              <a:off x="4770132" y="5226201"/>
               <a:ext cx="44283" cy="0"/>
             </a:xfrm>
             <a:custGeom>
@@ -4784,13 +4805,13 @@
         </p:sp>
         <p:sp>
           <p:nvSpPr>
-            <p:cNvPr id="67" name="pl67"/>
-            <p:cNvSpPr/>
-            <p:nvPr/>
-          </p:nvSpPr>
-          <p:spPr>
-            <a:xfrm>
-              <a:off x="1031804" y="8686323"/>
+            <p:cNvPr id="66" name="pl66"/>
+            <p:cNvSpPr/>
+            <p:nvPr/>
+          </p:nvSpPr>
+          <p:spPr>
+            <a:xfrm>
+              <a:off x="4770132" y="4080062"/>
               <a:ext cx="44283" cy="0"/>
             </a:xfrm>
             <a:custGeom>
@@ -4824,13 +4845,13 @@
         </p:sp>
         <p:sp>
           <p:nvSpPr>
-            <p:cNvPr id="68" name="pl68"/>
-            <p:cNvSpPr/>
-            <p:nvPr/>
-          </p:nvSpPr>
-          <p:spPr>
-            <a:xfrm>
-              <a:off x="1031804" y="7695808"/>
+            <p:cNvPr id="67" name="pl67"/>
+            <p:cNvSpPr/>
+            <p:nvPr/>
+          </p:nvSpPr>
+          <p:spPr>
+            <a:xfrm>
+              <a:off x="4770132" y="2933922"/>
               <a:ext cx="44283" cy="0"/>
             </a:xfrm>
             <a:custGeom>
@@ -4864,13 +4885,13 @@
         </p:sp>
         <p:sp>
           <p:nvSpPr>
-            <p:cNvPr id="69" name="pl69"/>
-            <p:cNvSpPr/>
-            <p:nvPr/>
-          </p:nvSpPr>
-          <p:spPr>
-            <a:xfrm>
-              <a:off x="1031804" y="6705294"/>
+            <p:cNvPr id="68" name="pl68"/>
+            <p:cNvSpPr/>
+            <p:nvPr/>
+          </p:nvSpPr>
+          <p:spPr>
+            <a:xfrm>
+              <a:off x="4770132" y="1787783"/>
               <a:ext cx="44283" cy="0"/>
             </a:xfrm>
             <a:custGeom>
@@ -4904,24 +4925,24 @@
         </p:sp>
         <p:sp>
           <p:nvSpPr>
-            <p:cNvPr id="70" name="pl70"/>
-            <p:cNvSpPr/>
-            <p:nvPr/>
-          </p:nvSpPr>
-          <p:spPr>
-            <a:xfrm>
-              <a:off x="1076088" y="9676838"/>
-              <a:ext cx="4709354" cy="0"/>
+            <p:cNvPr id="69" name="pl69"/>
+            <p:cNvSpPr/>
+            <p:nvPr/>
+          </p:nvSpPr>
+          <p:spPr>
+            <a:xfrm>
+              <a:off x="4814416" y="5226201"/>
+              <a:ext cx="3682595" cy="0"/>
             </a:xfrm>
             <a:custGeom>
               <a:avLst/>
               <a:pathLst>
-                <a:path w="4709354" h="0">
+                <a:path w="3682595" h="0">
                   <a:moveTo>
                     <a:pt x="0" y="0"/>
                   </a:moveTo>
                   <a:lnTo>
-                    <a:pt x="4709354" y="0"/>
+                    <a:pt x="3682595" y="0"/>
                   </a:lnTo>
                 </a:path>
               </a:pathLst>
@@ -4944,13 +4965,13 @@
         </p:sp>
         <p:sp>
           <p:nvSpPr>
-            <p:cNvPr id="71" name="pl71"/>
-            <p:cNvSpPr/>
-            <p:nvPr/>
-          </p:nvSpPr>
-          <p:spPr>
-            <a:xfrm>
-              <a:off x="1420675" y="9676838"/>
+            <p:cNvPr id="70" name="pl70"/>
+            <p:cNvSpPr/>
+            <p:nvPr/>
+          </p:nvSpPr>
+          <p:spPr>
+            <a:xfrm>
+              <a:off x="5083874" y="5226201"/>
               <a:ext cx="0" cy="44283"/>
             </a:xfrm>
             <a:custGeom>
@@ -4984,13 +5005,13 @@
         </p:sp>
         <p:sp>
           <p:nvSpPr>
-            <p:cNvPr id="72" name="pl72"/>
-            <p:cNvSpPr/>
-            <p:nvPr/>
-          </p:nvSpPr>
-          <p:spPr>
-            <a:xfrm>
-              <a:off x="1994986" y="9676838"/>
+            <p:cNvPr id="71" name="pl71"/>
+            <p:cNvSpPr/>
+            <p:nvPr/>
+          </p:nvSpPr>
+          <p:spPr>
+            <a:xfrm>
+              <a:off x="5532971" y="5226201"/>
               <a:ext cx="0" cy="44283"/>
             </a:xfrm>
             <a:custGeom>
@@ -5024,13 +5045,13 @@
         </p:sp>
         <p:sp>
           <p:nvSpPr>
-            <p:cNvPr id="73" name="pl73"/>
-            <p:cNvSpPr/>
-            <p:nvPr/>
-          </p:nvSpPr>
-          <p:spPr>
-            <a:xfrm>
-              <a:off x="2569298" y="9676838"/>
+            <p:cNvPr id="72" name="pl72"/>
+            <p:cNvSpPr/>
+            <p:nvPr/>
+          </p:nvSpPr>
+          <p:spPr>
+            <a:xfrm>
+              <a:off x="5982068" y="5226201"/>
               <a:ext cx="0" cy="44283"/>
             </a:xfrm>
             <a:custGeom>
@@ -5064,13 +5085,13 @@
         </p:sp>
         <p:sp>
           <p:nvSpPr>
-            <p:cNvPr id="74" name="pl74"/>
-            <p:cNvSpPr/>
-            <p:nvPr/>
-          </p:nvSpPr>
-          <p:spPr>
-            <a:xfrm>
-              <a:off x="3143609" y="9676838"/>
+            <p:cNvPr id="73" name="pl73"/>
+            <p:cNvSpPr/>
+            <p:nvPr/>
+          </p:nvSpPr>
+          <p:spPr>
+            <a:xfrm>
+              <a:off x="6431165" y="5226201"/>
               <a:ext cx="0" cy="44283"/>
             </a:xfrm>
             <a:custGeom>
@@ -5104,13 +5125,13 @@
         </p:sp>
         <p:sp>
           <p:nvSpPr>
-            <p:cNvPr id="75" name="pl75"/>
-            <p:cNvSpPr/>
-            <p:nvPr/>
-          </p:nvSpPr>
-          <p:spPr>
-            <a:xfrm>
-              <a:off x="3717921" y="9676838"/>
+            <p:cNvPr id="74" name="pl74"/>
+            <p:cNvSpPr/>
+            <p:nvPr/>
+          </p:nvSpPr>
+          <p:spPr>
+            <a:xfrm>
+              <a:off x="6880262" y="5226201"/>
               <a:ext cx="0" cy="44283"/>
             </a:xfrm>
             <a:custGeom>
@@ -5144,13 +5165,13 @@
         </p:sp>
         <p:sp>
           <p:nvSpPr>
-            <p:cNvPr id="76" name="pl76"/>
-            <p:cNvSpPr/>
-            <p:nvPr/>
-          </p:nvSpPr>
-          <p:spPr>
-            <a:xfrm>
-              <a:off x="4292233" y="9676838"/>
+            <p:cNvPr id="75" name="pl75"/>
+            <p:cNvSpPr/>
+            <p:nvPr/>
+          </p:nvSpPr>
+          <p:spPr>
+            <a:xfrm>
+              <a:off x="7329359" y="5226201"/>
               <a:ext cx="0" cy="44283"/>
             </a:xfrm>
             <a:custGeom>
@@ -5184,13 +5205,13 @@
         </p:sp>
         <p:sp>
           <p:nvSpPr>
-            <p:cNvPr id="77" name="pl77"/>
-            <p:cNvSpPr/>
-            <p:nvPr/>
-          </p:nvSpPr>
-          <p:spPr>
-            <a:xfrm>
-              <a:off x="4866544" y="9676838"/>
+            <p:cNvPr id="76" name="pl76"/>
+            <p:cNvSpPr/>
+            <p:nvPr/>
+          </p:nvSpPr>
+          <p:spPr>
+            <a:xfrm>
+              <a:off x="7778456" y="5226201"/>
               <a:ext cx="0" cy="44283"/>
             </a:xfrm>
             <a:custGeom>
@@ -5224,13 +5245,13 @@
         </p:sp>
         <p:sp>
           <p:nvSpPr>
-            <p:cNvPr id="78" name="pl78"/>
-            <p:cNvSpPr/>
-            <p:nvPr/>
-          </p:nvSpPr>
-          <p:spPr>
-            <a:xfrm>
-              <a:off x="5440856" y="9676838"/>
+            <p:cNvPr id="77" name="pl77"/>
+            <p:cNvSpPr/>
+            <p:nvPr/>
+          </p:nvSpPr>
+          <p:spPr>
+            <a:xfrm>
+              <a:off x="8227553" y="5226201"/>
               <a:ext cx="0" cy="44283"/>
             </a:xfrm>
             <a:custGeom>
@@ -5264,13 +5285,59 @@
         </p:sp>
         <p:sp>
           <p:nvSpPr>
+            <p:cNvPr id="78" name="tx78"/>
+            <p:cNvSpPr/>
+            <p:nvPr/>
+          </p:nvSpPr>
+          <p:spPr>
+            <a:xfrm rot="-2700000">
+              <a:off x="4431707" y="5576793"/>
+              <a:ext cx="808508" cy="110876"/>
+            </a:xfrm>
+            <a:prstGeom prst="rect">
+              <a:avLst/>
+            </a:prstGeom>
+            <a:noFill/>
+          </p:spPr>
+          <p:txBody>
+            <a:bodyPr lIns="0" rIns="0" tIns="0" bIns="0" anchorCtr="1" anchor="ctr" wrap="none"/>
+            <a:lstStyle/>
+            <a:p>
+              <a:pPr algn="l" marL="0" marR="0" indent="0">
+                <a:lnSpc>
+                  <a:spcPts val="1200"/>
+                </a:lnSpc>
+                <a:spcBef>
+                  <a:spcPts val="0"/>
+                </a:spcBef>
+                <a:spcAft>
+                  <a:spcPts val="0"/>
+                </a:spcAft>
+              </a:pPr>
+              <a:r>
+                <a:rPr sz="1200">
+                  <a:solidFill>
+                    <a:srgbClr val="000000">
+                      <a:alpha val="100000"/>
+                    </a:srgbClr>
+                  </a:solidFill>
+                  <a:latin typeface="Arial"/>
+                  <a:cs typeface="Arial"/>
+                </a:rPr>
+                <a:t>I don't know</a:t>
+              </a:r>
+            </a:p>
+          </p:txBody>
+        </p:sp>
+        <p:sp>
+          <p:nvSpPr>
             <p:cNvPr id="79" name="tx79"/>
             <p:cNvSpPr/>
             <p:nvPr/>
           </p:nvSpPr>
           <p:spPr>
-            <a:xfrm>
-              <a:off x="1079672" y="9756847"/>
+            <a:xfrm rot="-2700000">
+              <a:off x="4988624" y="5531686"/>
               <a:ext cx="682004" cy="111323"/>
             </a:xfrm>
             <a:prstGeom prst="rect">
@@ -5315,8 +5382,8 @@
             <p:nvPr/>
           </p:nvSpPr>
           <p:spPr>
-            <a:xfrm>
-              <a:off x="1613800" y="9756698"/>
+            <a:xfrm rot="-2700000">
+              <a:off x="5369070" y="5559974"/>
               <a:ext cx="762372" cy="111472"/>
             </a:xfrm>
             <a:prstGeom prst="rect">
@@ -5361,8 +5428,8 @@
             <p:nvPr/>
           </p:nvSpPr>
           <p:spPr>
-            <a:xfrm>
-              <a:off x="2145733" y="9756847"/>
+            <a:xfrm rot="-2700000">
+              <a:off x="5745875" y="5590067"/>
               <a:ext cx="847129" cy="111323"/>
             </a:xfrm>
             <a:prstGeom prst="rect">
@@ -5407,8 +5474,146 @@
             <p:nvPr/>
           </p:nvSpPr>
           <p:spPr>
-            <a:xfrm>
-              <a:off x="2806849" y="9726560"/>
+            <a:xfrm rot="-2700000">
+              <a:off x="6365095" y="5489313"/>
+              <a:ext cx="635272" cy="141609"/>
+            </a:xfrm>
+            <a:prstGeom prst="rect">
+              <a:avLst/>
+            </a:prstGeom>
+            <a:noFill/>
+          </p:spPr>
+          <p:txBody>
+            <a:bodyPr lIns="0" rIns="0" tIns="0" bIns="0" anchorCtr="1" anchor="ctr" wrap="none"/>
+            <a:lstStyle/>
+            <a:p>
+              <a:pPr algn="l" marL="0" marR="0" indent="0">
+                <a:lnSpc>
+                  <a:spcPts val="1200"/>
+                </a:lnSpc>
+                <a:spcBef>
+                  <a:spcPts val="0"/>
+                </a:spcBef>
+                <a:spcAft>
+                  <a:spcPts val="0"/>
+                </a:spcAft>
+              </a:pPr>
+              <a:r>
+                <a:rPr sz="1200">
+                  <a:solidFill>
+                    <a:srgbClr val="000000">
+                      <a:alpha val="100000"/>
+                    </a:srgbClr>
+                  </a:solidFill>
+                  <a:latin typeface="Arial"/>
+                  <a:cs typeface="Arial"/>
+                </a:rPr>
+                <a:t>1-5 years</a:t>
+              </a:r>
+            </a:p>
+          </p:txBody>
+        </p:sp>
+        <p:sp>
+          <p:nvSpPr>
+            <p:cNvPr id="83" name="tx83"/>
+            <p:cNvSpPr/>
+            <p:nvPr/>
+          </p:nvSpPr>
+          <p:spPr>
+            <a:xfrm rot="-2700000">
+              <a:off x="6741847" y="5519279"/>
+              <a:ext cx="720030" cy="141609"/>
+            </a:xfrm>
+            <a:prstGeom prst="rect">
+              <a:avLst/>
+            </a:prstGeom>
+            <a:noFill/>
+          </p:spPr>
+          <p:txBody>
+            <a:bodyPr lIns="0" rIns="0" tIns="0" bIns="0" anchorCtr="1" anchor="ctr" wrap="none"/>
+            <a:lstStyle/>
+            <a:p>
+              <a:pPr algn="l" marL="0" marR="0" indent="0">
+                <a:lnSpc>
+                  <a:spcPts val="1200"/>
+                </a:lnSpc>
+                <a:spcBef>
+                  <a:spcPts val="0"/>
+                </a:spcBef>
+                <a:spcAft>
+                  <a:spcPts val="0"/>
+                </a:spcAft>
+              </a:pPr>
+              <a:r>
+                <a:rPr sz="1200">
+                  <a:solidFill>
+                    <a:srgbClr val="000000">
+                      <a:alpha val="100000"/>
+                    </a:srgbClr>
+                  </a:solidFill>
+                  <a:latin typeface="Arial"/>
+                  <a:cs typeface="Arial"/>
+                </a:rPr>
+                <a:t>6-10 years</a:t>
+              </a:r>
+            </a:p>
+          </p:txBody>
+        </p:sp>
+        <p:sp>
+          <p:nvSpPr>
+            <p:cNvPr id="84" name="tx84"/>
+            <p:cNvSpPr/>
+            <p:nvPr/>
+          </p:nvSpPr>
+          <p:spPr>
+            <a:xfrm rot="-2700000">
+              <a:off x="7118599" y="5549246"/>
+              <a:ext cx="804788" cy="141609"/>
+            </a:xfrm>
+            <a:prstGeom prst="rect">
+              <a:avLst/>
+            </a:prstGeom>
+            <a:noFill/>
+          </p:spPr>
+          <p:txBody>
+            <a:bodyPr lIns="0" rIns="0" tIns="0" bIns="0" anchorCtr="1" anchor="ctr" wrap="none"/>
+            <a:lstStyle/>
+            <a:p>
+              <a:pPr algn="l" marL="0" marR="0" indent="0">
+                <a:lnSpc>
+                  <a:spcPts val="1200"/>
+                </a:lnSpc>
+                <a:spcBef>
+                  <a:spcPts val="0"/>
+                </a:spcBef>
+                <a:spcAft>
+                  <a:spcPts val="0"/>
+                </a:spcAft>
+              </a:pPr>
+              <a:r>
+                <a:rPr sz="1200">
+                  <a:solidFill>
+                    <a:srgbClr val="000000">
+                      <a:alpha val="100000"/>
+                    </a:srgbClr>
+                  </a:solidFill>
+                  <a:latin typeface="Arial"/>
+                  <a:cs typeface="Arial"/>
+                </a:rPr>
+                <a:t>11-20 years</a:t>
+              </a:r>
+            </a:p>
+          </p:txBody>
+        </p:sp>
+        <p:sp>
+          <p:nvSpPr>
+            <p:cNvPr id="85" name="tx85"/>
+            <p:cNvSpPr/>
+            <p:nvPr/>
+          </p:nvSpPr>
+          <p:spPr>
+            <a:xfrm rot="-2700000">
+              <a:off x="7679739" y="5502836"/>
               <a:ext cx="673521" cy="141609"/>
             </a:xfrm>
             <a:prstGeom prst="rect">
@@ -5448,197 +5653,13 @@
         </p:sp>
         <p:sp>
           <p:nvSpPr>
-            <p:cNvPr id="83" name="tx83"/>
-            <p:cNvSpPr/>
-            <p:nvPr/>
-          </p:nvSpPr>
-          <p:spPr>
-            <a:xfrm>
-              <a:off x="3400285" y="9726560"/>
-              <a:ext cx="635272" cy="141609"/>
-            </a:xfrm>
-            <a:prstGeom prst="rect">
-              <a:avLst/>
-            </a:prstGeom>
-            <a:noFill/>
-          </p:spPr>
-          <p:txBody>
-            <a:bodyPr lIns="0" rIns="0" tIns="0" bIns="0" anchorCtr="1" anchor="ctr" wrap="none"/>
-            <a:lstStyle/>
-            <a:p>
-              <a:pPr algn="l" marL="0" marR="0" indent="0">
-                <a:lnSpc>
-                  <a:spcPts val="1200"/>
-                </a:lnSpc>
-                <a:spcBef>
-                  <a:spcPts val="0"/>
-                </a:spcBef>
-                <a:spcAft>
-                  <a:spcPts val="0"/>
-                </a:spcAft>
-              </a:pPr>
-              <a:r>
-                <a:rPr sz="1200">
-                  <a:solidFill>
-                    <a:srgbClr val="000000">
-                      <a:alpha val="100000"/>
-                    </a:srgbClr>
-                  </a:solidFill>
-                  <a:latin typeface="Arial"/>
-                  <a:cs typeface="Arial"/>
-                </a:rPr>
-                <a:t>1-5 years</a:t>
-              </a:r>
-            </a:p>
-          </p:txBody>
-        </p:sp>
-        <p:sp>
-          <p:nvSpPr>
-            <p:cNvPr id="84" name="tx84"/>
-            <p:cNvSpPr/>
-            <p:nvPr/>
-          </p:nvSpPr>
-          <p:spPr>
-            <a:xfrm>
-              <a:off x="3932217" y="9726560"/>
-              <a:ext cx="720030" cy="141609"/>
-            </a:xfrm>
-            <a:prstGeom prst="rect">
-              <a:avLst/>
-            </a:prstGeom>
-            <a:noFill/>
-          </p:spPr>
-          <p:txBody>
-            <a:bodyPr lIns="0" rIns="0" tIns="0" bIns="0" anchorCtr="1" anchor="ctr" wrap="none"/>
-            <a:lstStyle/>
-            <a:p>
-              <a:pPr algn="l" marL="0" marR="0" indent="0">
-                <a:lnSpc>
-                  <a:spcPts val="1200"/>
-                </a:lnSpc>
-                <a:spcBef>
-                  <a:spcPts val="0"/>
-                </a:spcBef>
-                <a:spcAft>
-                  <a:spcPts val="0"/>
-                </a:spcAft>
-              </a:pPr>
-              <a:r>
-                <a:rPr sz="1200">
-                  <a:solidFill>
-                    <a:srgbClr val="000000">
-                      <a:alpha val="100000"/>
-                    </a:srgbClr>
-                  </a:solidFill>
-                  <a:latin typeface="Arial"/>
-                  <a:cs typeface="Arial"/>
-                </a:rPr>
-                <a:t>6-10 years</a:t>
-              </a:r>
-            </a:p>
-          </p:txBody>
-        </p:sp>
-        <p:sp>
-          <p:nvSpPr>
-            <p:cNvPr id="85" name="tx85"/>
-            <p:cNvSpPr/>
-            <p:nvPr/>
-          </p:nvSpPr>
-          <p:spPr>
-            <a:xfrm>
-              <a:off x="4464150" y="9726560"/>
-              <a:ext cx="804788" cy="141609"/>
-            </a:xfrm>
-            <a:prstGeom prst="rect">
-              <a:avLst/>
-            </a:prstGeom>
-            <a:noFill/>
-          </p:spPr>
-          <p:txBody>
-            <a:bodyPr lIns="0" rIns="0" tIns="0" bIns="0" anchorCtr="1" anchor="ctr" wrap="none"/>
-            <a:lstStyle/>
-            <a:p>
-              <a:pPr algn="l" marL="0" marR="0" indent="0">
-                <a:lnSpc>
-                  <a:spcPts val="1200"/>
-                </a:lnSpc>
-                <a:spcBef>
-                  <a:spcPts val="0"/>
-                </a:spcBef>
-                <a:spcAft>
-                  <a:spcPts val="0"/>
-                </a:spcAft>
-              </a:pPr>
-              <a:r>
-                <a:rPr sz="1200">
-                  <a:solidFill>
-                    <a:srgbClr val="000000">
-                      <a:alpha val="100000"/>
-                    </a:srgbClr>
-                  </a:solidFill>
-                  <a:latin typeface="Arial"/>
-                  <a:cs typeface="Arial"/>
-                </a:rPr>
-                <a:t>11-20 years</a:t>
-              </a:r>
-            </a:p>
-          </p:txBody>
-        </p:sp>
-        <p:sp>
-          <p:nvSpPr>
             <p:cNvPr id="86" name="tx86"/>
             <p:cNvSpPr/>
             <p:nvPr/>
           </p:nvSpPr>
           <p:spPr>
-            <a:xfrm>
-              <a:off x="5036601" y="9757293"/>
-              <a:ext cx="808508" cy="110876"/>
-            </a:xfrm>
-            <a:prstGeom prst="rect">
-              <a:avLst/>
-            </a:prstGeom>
-            <a:noFill/>
-          </p:spPr>
-          <p:txBody>
-            <a:bodyPr lIns="0" rIns="0" tIns="0" bIns="0" anchorCtr="1" anchor="ctr" wrap="none"/>
-            <a:lstStyle/>
-            <a:p>
-              <a:pPr algn="l" marL="0" marR="0" indent="0">
-                <a:lnSpc>
-                  <a:spcPts val="1200"/>
-                </a:lnSpc>
-                <a:spcBef>
-                  <a:spcPts val="0"/>
-                </a:spcBef>
-                <a:spcAft>
-                  <a:spcPts val="0"/>
-                </a:spcAft>
-              </a:pPr>
-              <a:r>
-                <a:rPr sz="1200">
-                  <a:solidFill>
-                    <a:srgbClr val="000000">
-                      <a:alpha val="100000"/>
-                    </a:srgbClr>
-                  </a:solidFill>
-                  <a:latin typeface="Arial"/>
-                  <a:cs typeface="Arial"/>
-                </a:rPr>
-                <a:t>I don't know</a:t>
-              </a:r>
-            </a:p>
-          </p:txBody>
-        </p:sp>
-        <p:sp>
-          <p:nvSpPr>
-            <p:cNvPr id="87" name="tx87"/>
-            <p:cNvSpPr/>
-            <p:nvPr/>
-          </p:nvSpPr>
-          <p:spPr>
             <a:xfrm rot="-5400000">
-              <a:off x="-90851" y="8049246"/>
+              <a:off x="3647476" y="3355835"/>
               <a:ext cx="1502184" cy="164777"/>
             </a:xfrm>
             <a:prstGeom prst="rect">
@@ -5678,14 +5699,14 @@
         </p:sp>
         <p:sp>
           <p:nvSpPr>
-            <p:cNvPr id="88" name="tx88"/>
-            <p:cNvSpPr/>
-            <p:nvPr/>
-          </p:nvSpPr>
-          <p:spPr>
-            <a:xfrm>
-              <a:off x="1139351" y="6264402"/>
-              <a:ext cx="4702968" cy="190698"/>
+            <p:cNvPr id="87" name="tx87"/>
+            <p:cNvSpPr/>
+            <p:nvPr/>
+          </p:nvSpPr>
+          <p:spPr>
+            <a:xfrm>
+              <a:off x="4814416" y="1386582"/>
+              <a:ext cx="3307853" cy="143023"/>
             </a:xfrm>
             <a:prstGeom prst="rect">
               <a:avLst/>
@@ -5698,7 +5719,7 @@
             <a:p>
               <a:pPr algn="l" marL="0" marR="0" indent="0">
                 <a:lnSpc>
-                  <a:spcPts val="1600"/>
+                  <a:spcPts val="1200"/>
                 </a:lnSpc>
                 <a:spcBef>
                   <a:spcPts val="0"/>
@@ -5708,7 +5729,7 @@
                 </a:spcAft>
               </a:pPr>
               <a:r>
-                <a:rPr sz="1600" b="1">
+                <a:rPr sz="1200">
                   <a:solidFill>
                     <a:srgbClr val="000000">
                       <a:alpha val="100000"/>
@@ -5724,14 +5745,14 @@
         </p:sp>
         <p:sp>
           <p:nvSpPr>
-            <p:cNvPr id="89" name="tx89"/>
-            <p:cNvSpPr/>
-            <p:nvPr/>
-          </p:nvSpPr>
-          <p:spPr>
-            <a:xfrm>
-              <a:off x="678619" y="1011703"/>
-              <a:ext cx="3202653" cy="149834"/>
+            <p:cNvPr id="88" name="tx88"/>
+            <p:cNvSpPr/>
+            <p:nvPr/>
+          </p:nvSpPr>
+          <p:spPr>
+            <a:xfrm>
+              <a:off x="646988" y="963913"/>
+              <a:ext cx="4658405" cy="217941"/>
             </a:xfrm>
             <a:prstGeom prst="rect">
               <a:avLst/>
@@ -5744,7 +5765,7 @@
             <a:p>
               <a:pPr algn="l" marL="0" marR="0" indent="0">
                 <a:lnSpc>
-                  <a:spcPts val="1257"/>
+                  <a:spcPts val="1828"/>
                 </a:lnSpc>
                 <a:spcBef>
                   <a:spcPts val="0"/>
@@ -5754,7 +5775,7 @@
                 </a:spcAft>
               </a:pPr>
               <a:r>
-                <a:rPr sz="1257" b="1">
+                <a:rPr sz="1828" b="1">
                   <a:solidFill>
                     <a:srgbClr val="000000">
                       <a:alpha val="100000"/>

--- a/results/figures/pptx/impact_work.pptx
+++ b/results/figures/pptx/impact_work.pptx
@@ -2271,8 +2271,8 @@
           </p:nvSpPr>
           <p:spPr>
             <a:xfrm>
-              <a:off x="1217320" y="5057789"/>
-              <a:ext cx="657606" cy="168412"/>
+              <a:off x="1217320" y="4987007"/>
+              <a:ext cx="657606" cy="239194"/>
             </a:xfrm>
             <a:prstGeom prst="rect">
               <a:avLst/>
@@ -2297,8 +2297,8 @@
           </p:nvSpPr>
           <p:spPr>
             <a:xfrm>
-              <a:off x="1947994" y="3598215"/>
-              <a:ext cx="657606" cy="1627985"/>
+              <a:off x="1947994" y="3551841"/>
+              <a:ext cx="657606" cy="1674360"/>
             </a:xfrm>
             <a:prstGeom prst="rect">
               <a:avLst/>
@@ -2349,8 +2349,8 @@
           </p:nvSpPr>
           <p:spPr>
             <a:xfrm>
-              <a:off x="3409341" y="4720964"/>
-              <a:ext cx="657606" cy="505237"/>
+              <a:off x="3409341" y="4747813"/>
+              <a:ext cx="657606" cy="478388"/>
             </a:xfrm>
             <a:prstGeom prst="rect">
               <a:avLst/>
@@ -2375,8 +2375,8 @@
           </p:nvSpPr>
           <p:spPr>
             <a:xfrm>
-              <a:off x="1505930" y="4588127"/>
-              <a:ext cx="80386" cy="105723"/>
+              <a:off x="1505930" y="4519604"/>
+              <a:ext cx="80386" cy="103464"/>
             </a:xfrm>
             <a:prstGeom prst="rect">
               <a:avLst/>
@@ -2408,7 +2408,7 @@
                   <a:latin typeface="Arial"/>
                   <a:cs typeface="Arial"/>
                 </a:rPr>
-                <a:t>3</a:t>
+                <a:t>4</a:t>
               </a:r>
             </a:p>
           </p:txBody>
@@ -2421,7 +2421,7 @@
           </p:nvSpPr>
           <p:spPr>
             <a:xfrm>
-              <a:off x="1393538" y="4766340"/>
+              <a:off x="1393538" y="4695558"/>
               <a:ext cx="305171" cy="135647"/>
             </a:xfrm>
             <a:prstGeom prst="rect">
@@ -2454,7 +2454,7 @@
                   <a:latin typeface="Arial"/>
                   <a:cs typeface="Arial"/>
                 </a:rPr>
-                <a:t>(3%)</a:t>
+                <a:t>(5%)</a:t>
               </a:r>
             </a:p>
           </p:txBody>
@@ -2467,7 +2467,7 @@
           </p:nvSpPr>
           <p:spPr>
             <a:xfrm>
-              <a:off x="2196411" y="3128624"/>
+              <a:off x="2196411" y="3082250"/>
               <a:ext cx="160772" cy="105652"/>
             </a:xfrm>
             <a:prstGeom prst="rect">
@@ -2500,7 +2500,7 @@
                   <a:latin typeface="Arial"/>
                   <a:cs typeface="Arial"/>
                 </a:rPr>
-                <a:t>29</a:t>
+                <a:t>28</a:t>
               </a:r>
             </a:p>
           </p:txBody>
@@ -2513,7 +2513,7 @@
           </p:nvSpPr>
           <p:spPr>
             <a:xfrm>
-              <a:off x="2084018" y="3306767"/>
+              <a:off x="2084018" y="3260392"/>
               <a:ext cx="385557" cy="135647"/>
             </a:xfrm>
             <a:prstGeom prst="rect">
@@ -2546,7 +2546,7 @@
                   <a:latin typeface="Arial"/>
                   <a:cs typeface="Arial"/>
                 </a:rPr>
-                <a:t>(32%)</a:t>
+                <a:t>(33%)</a:t>
               </a:r>
             </a:p>
           </p:txBody>
@@ -2592,7 +2592,7 @@
                   <a:latin typeface="Arial"/>
                   <a:cs typeface="Arial"/>
                 </a:rPr>
-                <a:t>49</a:t>
+                <a:t>46</a:t>
               </a:r>
             </a:p>
           </p:txBody>
@@ -2638,7 +2638,7 @@
                   <a:latin typeface="Arial"/>
                   <a:cs typeface="Arial"/>
                 </a:rPr>
-                <a:t>(54%)</a:t>
+                <a:t>(53%)</a:t>
               </a:r>
             </a:p>
           </p:txBody>
@@ -2651,7 +2651,7 @@
           </p:nvSpPr>
           <p:spPr>
             <a:xfrm>
-              <a:off x="3697951" y="4251373"/>
+              <a:off x="3697951" y="4278221"/>
               <a:ext cx="80386" cy="105652"/>
             </a:xfrm>
             <a:prstGeom prst="rect">
@@ -2684,7 +2684,7 @@
                   <a:latin typeface="Arial"/>
                   <a:cs typeface="Arial"/>
                 </a:rPr>
-                <a:t>9</a:t>
+                <a:t>8</a:t>
               </a:r>
             </a:p>
           </p:txBody>
@@ -2697,8 +2697,8 @@
           </p:nvSpPr>
           <p:spPr>
             <a:xfrm>
-              <a:off x="3545366" y="4429516"/>
-              <a:ext cx="385557" cy="135647"/>
+              <a:off x="3585559" y="4456364"/>
+              <a:ext cx="305171" cy="135647"/>
             </a:xfrm>
             <a:prstGeom prst="rect">
               <a:avLst/>
@@ -2730,7 +2730,7 @@
                   <a:latin typeface="Arial"/>
                   <a:cs typeface="Arial"/>
                 </a:rPr>
-                <a:t>(10%)</a:t>
+                <a:t>(9%)</a:t>
               </a:r>
             </a:p>
           </p:txBody>
@@ -2829,7 +2829,53 @@
           </p:nvSpPr>
           <p:spPr>
             <a:xfrm>
-              <a:off x="855962" y="4046600"/>
+              <a:off x="855962" y="4571363"/>
+              <a:ext cx="169515" cy="111397"/>
+            </a:xfrm>
+            <a:prstGeom prst="rect">
+              <a:avLst/>
+            </a:prstGeom>
+            <a:noFill/>
+          </p:spPr>
+          <p:txBody>
+            <a:bodyPr lIns="0" rIns="0" tIns="0" bIns="0" anchorCtr="1" anchor="ctr" wrap="none"/>
+            <a:lstStyle/>
+            <a:p>
+              <a:pPr algn="l" marL="0" marR="0" indent="0">
+                <a:lnSpc>
+                  <a:spcPts val="1200"/>
+                </a:lnSpc>
+                <a:spcBef>
+                  <a:spcPts val="0"/>
+                </a:spcBef>
+                <a:spcAft>
+                  <a:spcPts val="0"/>
+                </a:spcAft>
+              </a:pPr>
+              <a:r>
+                <a:rPr sz="1200">
+                  <a:solidFill>
+                    <a:srgbClr val="000000">
+                      <a:alpha val="100000"/>
+                    </a:srgbClr>
+                  </a:solidFill>
+                  <a:latin typeface="Arial"/>
+                  <a:cs typeface="Arial"/>
+                </a:rPr>
+                <a:t>10</a:t>
+              </a:r>
+            </a:p>
+          </p:txBody>
+        </p:sp>
+        <p:sp>
+          <p:nvSpPr>
+            <p:cNvPr id="19" name="tx19"/>
+            <p:cNvSpPr/>
+            <p:nvPr/>
+          </p:nvSpPr>
+          <p:spPr>
+            <a:xfrm>
+              <a:off x="855962" y="3973377"/>
               <a:ext cx="169515" cy="111397"/>
             </a:xfrm>
             <a:prstGeom prst="rect">
@@ -2869,13 +2915,59 @@
         </p:sp>
         <p:sp>
           <p:nvSpPr>
-            <p:cNvPr id="19" name="tx19"/>
-            <p:cNvSpPr/>
-            <p:nvPr/>
-          </p:nvSpPr>
-          <p:spPr>
-            <a:xfrm>
-              <a:off x="855962" y="2923851"/>
+            <p:cNvPr id="20" name="tx20"/>
+            <p:cNvSpPr/>
+            <p:nvPr/>
+          </p:nvSpPr>
+          <p:spPr>
+            <a:xfrm>
+              <a:off x="855962" y="3375317"/>
+              <a:ext cx="169515" cy="111472"/>
+            </a:xfrm>
+            <a:prstGeom prst="rect">
+              <a:avLst/>
+            </a:prstGeom>
+            <a:noFill/>
+          </p:spPr>
+          <p:txBody>
+            <a:bodyPr lIns="0" rIns="0" tIns="0" bIns="0" anchorCtr="1" anchor="ctr" wrap="none"/>
+            <a:lstStyle/>
+            <a:p>
+              <a:pPr algn="l" marL="0" marR="0" indent="0">
+                <a:lnSpc>
+                  <a:spcPts val="1200"/>
+                </a:lnSpc>
+                <a:spcBef>
+                  <a:spcPts val="0"/>
+                </a:spcBef>
+                <a:spcAft>
+                  <a:spcPts val="0"/>
+                </a:spcAft>
+              </a:pPr>
+              <a:r>
+                <a:rPr sz="1200">
+                  <a:solidFill>
+                    <a:srgbClr val="000000">
+                      <a:alpha val="100000"/>
+                    </a:srgbClr>
+                  </a:solidFill>
+                  <a:latin typeface="Arial"/>
+                  <a:cs typeface="Arial"/>
+                </a:rPr>
+                <a:t>30</a:t>
+              </a:r>
+            </a:p>
+          </p:txBody>
+        </p:sp>
+        <p:sp>
+          <p:nvSpPr>
+            <p:cNvPr id="21" name="tx21"/>
+            <p:cNvSpPr/>
+            <p:nvPr/>
+          </p:nvSpPr>
+          <p:spPr>
+            <a:xfrm>
+              <a:off x="855962" y="2777405"/>
               <a:ext cx="169515" cy="111397"/>
             </a:xfrm>
             <a:prstGeom prst="rect">
@@ -2915,13 +3007,13 @@
         </p:sp>
         <p:sp>
           <p:nvSpPr>
-            <p:cNvPr id="20" name="tx20"/>
-            <p:cNvSpPr/>
-            <p:nvPr/>
-          </p:nvSpPr>
-          <p:spPr>
-            <a:xfrm>
-              <a:off x="855962" y="1801102"/>
+            <p:cNvPr id="22" name="tx22"/>
+            <p:cNvSpPr/>
+            <p:nvPr/>
+          </p:nvSpPr>
+          <p:spPr>
+            <a:xfrm>
+              <a:off x="855962" y="2179420"/>
               <a:ext cx="169515" cy="111397"/>
             </a:xfrm>
             <a:prstGeom prst="rect">
@@ -2954,14 +3046,14 @@
                   <a:latin typeface="Arial"/>
                   <a:cs typeface="Arial"/>
                 </a:rPr>
-                <a:t>60</a:t>
+                <a:t>50</a:t>
               </a:r>
             </a:p>
           </p:txBody>
         </p:sp>
         <p:sp>
           <p:nvSpPr>
-            <p:cNvPr id="21" name="pl21"/>
+            <p:cNvPr id="23" name="pl23"/>
             <p:cNvSpPr/>
             <p:nvPr/>
           </p:nvSpPr>
@@ -3001,13 +3093,13 @@
         </p:sp>
         <p:sp>
           <p:nvSpPr>
-            <p:cNvPr id="22" name="pl22"/>
-            <p:cNvSpPr/>
-            <p:nvPr/>
-          </p:nvSpPr>
-          <p:spPr>
-            <a:xfrm>
-              <a:off x="1063435" y="4103452"/>
+            <p:cNvPr id="24" name="pl24"/>
+            <p:cNvSpPr/>
+            <p:nvPr/>
+          </p:nvSpPr>
+          <p:spPr>
+            <a:xfrm>
+              <a:off x="1063435" y="4628215"/>
               <a:ext cx="44283" cy="0"/>
             </a:xfrm>
             <a:custGeom>
@@ -3041,13 +3133,13 @@
         </p:sp>
         <p:sp>
           <p:nvSpPr>
-            <p:cNvPr id="23" name="pl23"/>
-            <p:cNvSpPr/>
-            <p:nvPr/>
-          </p:nvSpPr>
-          <p:spPr>
-            <a:xfrm>
-              <a:off x="1063435" y="2980703"/>
+            <p:cNvPr id="25" name="pl25"/>
+            <p:cNvSpPr/>
+            <p:nvPr/>
+          </p:nvSpPr>
+          <p:spPr>
+            <a:xfrm>
+              <a:off x="1063435" y="4030230"/>
               <a:ext cx="44283" cy="0"/>
             </a:xfrm>
             <a:custGeom>
@@ -3081,13 +3173,13 @@
         </p:sp>
         <p:sp>
           <p:nvSpPr>
-            <p:cNvPr id="24" name="pl24"/>
-            <p:cNvSpPr/>
-            <p:nvPr/>
-          </p:nvSpPr>
-          <p:spPr>
-            <a:xfrm>
-              <a:off x="1063435" y="1857954"/>
+            <p:cNvPr id="26" name="pl26"/>
+            <p:cNvSpPr/>
+            <p:nvPr/>
+          </p:nvSpPr>
+          <p:spPr>
+            <a:xfrm>
+              <a:off x="1063435" y="3432244"/>
               <a:ext cx="44283" cy="0"/>
             </a:xfrm>
             <a:custGeom>
@@ -3121,7 +3213,87 @@
         </p:sp>
         <p:sp>
           <p:nvSpPr>
-            <p:cNvPr id="25" name="pl25"/>
+            <p:cNvPr id="27" name="pl27"/>
+            <p:cNvSpPr/>
+            <p:nvPr/>
+          </p:nvSpPr>
+          <p:spPr>
+            <a:xfrm>
+              <a:off x="1063435" y="2834258"/>
+              <a:ext cx="44283" cy="0"/>
+            </a:xfrm>
+            <a:custGeom>
+              <a:avLst/>
+              <a:pathLst>
+                <a:path w="44283" h="0">
+                  <a:moveTo>
+                    <a:pt x="0" y="0"/>
+                  </a:moveTo>
+                  <a:lnTo>
+                    <a:pt x="44283" y="0"/>
+                  </a:lnTo>
+                </a:path>
+              </a:pathLst>
+            </a:custGeom>
+            <a:ln w="13550" cap="flat">
+              <a:solidFill>
+                <a:srgbClr val="000000">
+                  <a:alpha val="100000"/>
+                </a:srgbClr>
+              </a:solidFill>
+              <a:prstDash val="solid"/>
+              <a:round/>
+            </a:ln>
+          </p:spPr>
+          <p:txBody>
+            <a:bodyPr/>
+            <a:lstStyle/>
+            <a:p/>
+          </p:txBody>
+        </p:sp>
+        <p:sp>
+          <p:nvSpPr>
+            <p:cNvPr id="28" name="pl28"/>
+            <p:cNvSpPr/>
+            <p:nvPr/>
+          </p:nvSpPr>
+          <p:spPr>
+            <a:xfrm>
+              <a:off x="1063435" y="2236272"/>
+              <a:ext cx="44283" cy="0"/>
+            </a:xfrm>
+            <a:custGeom>
+              <a:avLst/>
+              <a:pathLst>
+                <a:path w="44283" h="0">
+                  <a:moveTo>
+                    <a:pt x="0" y="0"/>
+                  </a:moveTo>
+                  <a:lnTo>
+                    <a:pt x="44283" y="0"/>
+                  </a:lnTo>
+                </a:path>
+              </a:pathLst>
+            </a:custGeom>
+            <a:ln w="13550" cap="flat">
+              <a:solidFill>
+                <a:srgbClr val="000000">
+                  <a:alpha val="100000"/>
+                </a:srgbClr>
+              </a:solidFill>
+              <a:prstDash val="solid"/>
+              <a:round/>
+            </a:ln>
+          </p:spPr>
+          <p:txBody>
+            <a:bodyPr/>
+            <a:lstStyle/>
+            <a:p/>
+          </p:txBody>
+        </p:sp>
+        <p:sp>
+          <p:nvSpPr>
+            <p:cNvPr id="29" name="pl29"/>
             <p:cNvSpPr/>
             <p:nvPr/>
           </p:nvSpPr>
@@ -3161,7 +3333,7 @@
         </p:sp>
         <p:sp>
           <p:nvSpPr>
-            <p:cNvPr id="26" name="pl26"/>
+            <p:cNvPr id="30" name="pl30"/>
             <p:cNvSpPr/>
             <p:nvPr/>
           </p:nvSpPr>
@@ -3201,7 +3373,7 @@
         </p:sp>
         <p:sp>
           <p:nvSpPr>
-            <p:cNvPr id="27" name="pl27"/>
+            <p:cNvPr id="31" name="pl31"/>
             <p:cNvSpPr/>
             <p:nvPr/>
           </p:nvSpPr>
@@ -3241,7 +3413,7 @@
         </p:sp>
         <p:sp>
           <p:nvSpPr>
-            <p:cNvPr id="28" name="pl28"/>
+            <p:cNvPr id="32" name="pl32"/>
             <p:cNvSpPr/>
             <p:nvPr/>
           </p:nvSpPr>
@@ -3281,7 +3453,7 @@
         </p:sp>
         <p:sp>
           <p:nvSpPr>
-            <p:cNvPr id="29" name="pl29"/>
+            <p:cNvPr id="33" name="pl33"/>
             <p:cNvSpPr/>
             <p:nvPr/>
           </p:nvSpPr>
@@ -3321,7 +3493,7 @@
         </p:sp>
         <p:sp>
           <p:nvSpPr>
-            <p:cNvPr id="30" name="tx30"/>
+            <p:cNvPr id="34" name="tx34"/>
             <p:cNvSpPr/>
             <p:nvPr/>
           </p:nvSpPr>
@@ -3367,7 +3539,7 @@
         </p:sp>
         <p:sp>
           <p:nvSpPr>
-            <p:cNvPr id="31" name="tx31"/>
+            <p:cNvPr id="35" name="tx35"/>
             <p:cNvSpPr/>
             <p:nvPr/>
           </p:nvSpPr>
@@ -3413,7 +3585,7 @@
         </p:sp>
         <p:sp>
           <p:nvSpPr>
-            <p:cNvPr id="32" name="tx32"/>
+            <p:cNvPr id="36" name="tx36"/>
             <p:cNvSpPr/>
             <p:nvPr/>
           </p:nvSpPr>
@@ -3459,7 +3631,7 @@
         </p:sp>
         <p:sp>
           <p:nvSpPr>
-            <p:cNvPr id="33" name="tx33"/>
+            <p:cNvPr id="37" name="tx37"/>
             <p:cNvSpPr/>
             <p:nvPr/>
           </p:nvSpPr>
@@ -3505,7 +3677,7 @@
         </p:sp>
         <p:sp>
           <p:nvSpPr>
-            <p:cNvPr id="34" name="tx34"/>
+            <p:cNvPr id="38" name="tx38"/>
             <p:cNvSpPr/>
             <p:nvPr/>
           </p:nvSpPr>
@@ -3551,7 +3723,7 @@
         </p:sp>
         <p:sp>
           <p:nvSpPr>
-            <p:cNvPr id="35" name="tx35"/>
+            <p:cNvPr id="39" name="tx39"/>
             <p:cNvSpPr/>
             <p:nvPr/>
           </p:nvSpPr>
@@ -3590,21 +3762,21 @@
                   <a:latin typeface="Arial"/>
                   <a:cs typeface="Arial"/>
                 </a:rPr>
-                <a:t>Global impact (N=90)</a:t>
+                <a:t>Global impact (N=86)</a:t>
               </a:r>
             </a:p>
           </p:txBody>
         </p:sp>
         <p:sp>
           <p:nvSpPr>
-            <p:cNvPr id="36" name="rc36"/>
-            <p:cNvSpPr/>
-            <p:nvPr/>
-          </p:nvSpPr>
-          <p:spPr>
-            <a:xfrm>
-              <a:off x="4881780" y="3678913"/>
-              <a:ext cx="404187" cy="1547288"/>
+            <p:cNvPr id="40" name="rc40"/>
+            <p:cNvSpPr/>
+            <p:nvPr/>
+          </p:nvSpPr>
+          <p:spPr>
+            <a:xfrm>
+              <a:off x="4881780" y="3243113"/>
+              <a:ext cx="404187" cy="1983087"/>
             </a:xfrm>
             <a:prstGeom prst="rect">
               <a:avLst/>
@@ -3623,14 +3795,14 @@
         </p:sp>
         <p:sp>
           <p:nvSpPr>
-            <p:cNvPr id="37" name="rc37"/>
-            <p:cNvSpPr/>
-            <p:nvPr/>
-          </p:nvSpPr>
-          <p:spPr>
-            <a:xfrm>
-              <a:off x="5330877" y="5111587"/>
-              <a:ext cx="404187" cy="114613"/>
+            <p:cNvPr id="41" name="rc41"/>
+            <p:cNvSpPr/>
+            <p:nvPr/>
+          </p:nvSpPr>
+          <p:spPr>
+            <a:xfrm>
+              <a:off x="5330877" y="5034290"/>
+              <a:ext cx="404187" cy="191911"/>
             </a:xfrm>
             <a:prstGeom prst="rect">
               <a:avLst/>
@@ -3649,14 +3821,14 @@
         </p:sp>
         <p:sp>
           <p:nvSpPr>
-            <p:cNvPr id="38" name="rc38"/>
-            <p:cNvSpPr/>
-            <p:nvPr/>
-          </p:nvSpPr>
-          <p:spPr>
-            <a:xfrm>
-              <a:off x="5779974" y="4767745"/>
-              <a:ext cx="404187" cy="458455"/>
+            <p:cNvPr id="42" name="rc42"/>
+            <p:cNvSpPr/>
+            <p:nvPr/>
+          </p:nvSpPr>
+          <p:spPr>
+            <a:xfrm>
+              <a:off x="5779974" y="4842378"/>
+              <a:ext cx="404187" cy="383823"/>
             </a:xfrm>
             <a:prstGeom prst="rect">
               <a:avLst/>
@@ -3675,14 +3847,14 @@
         </p:sp>
         <p:sp>
           <p:nvSpPr>
-            <p:cNvPr id="39" name="rc39"/>
-            <p:cNvSpPr/>
-            <p:nvPr/>
-          </p:nvSpPr>
-          <p:spPr>
-            <a:xfrm>
-              <a:off x="6229071" y="4825052"/>
-              <a:ext cx="404187" cy="401148"/>
+            <p:cNvPr id="43" name="rc43"/>
+            <p:cNvSpPr/>
+            <p:nvPr/>
+          </p:nvSpPr>
+          <p:spPr>
+            <a:xfrm>
+              <a:off x="6229071" y="4778407"/>
+              <a:ext cx="404187" cy="447794"/>
             </a:xfrm>
             <a:prstGeom prst="rect">
               <a:avLst/>
@@ -3701,7 +3873,7 @@
         </p:sp>
         <p:sp>
           <p:nvSpPr>
-            <p:cNvPr id="40" name="rc40"/>
+            <p:cNvPr id="44" name="rc44"/>
             <p:cNvSpPr/>
             <p:nvPr/>
           </p:nvSpPr>
@@ -3727,14 +3899,14 @@
         </p:sp>
         <p:sp>
           <p:nvSpPr>
-            <p:cNvPr id="41" name="rc41"/>
-            <p:cNvSpPr/>
-            <p:nvPr/>
-          </p:nvSpPr>
-          <p:spPr>
-            <a:xfrm>
-              <a:off x="7127265" y="4137369"/>
-              <a:ext cx="404187" cy="1088832"/>
+            <p:cNvPr id="45" name="rc45"/>
+            <p:cNvSpPr/>
+            <p:nvPr/>
+          </p:nvSpPr>
+          <p:spPr>
+            <a:xfrm>
+              <a:off x="7127265" y="3882819"/>
+              <a:ext cx="404187" cy="1343382"/>
             </a:xfrm>
             <a:prstGeom prst="rect">
               <a:avLst/>
@@ -3753,14 +3925,14 @@
         </p:sp>
         <p:sp>
           <p:nvSpPr>
-            <p:cNvPr id="42" name="rc42"/>
-            <p:cNvSpPr/>
-            <p:nvPr/>
-          </p:nvSpPr>
-          <p:spPr>
-            <a:xfrm>
-              <a:off x="7576362" y="4251983"/>
-              <a:ext cx="404187" cy="974218"/>
+            <p:cNvPr id="46" name="rc46"/>
+            <p:cNvSpPr/>
+            <p:nvPr/>
+          </p:nvSpPr>
+          <p:spPr>
+            <a:xfrm>
+              <a:off x="7576362" y="4266643"/>
+              <a:ext cx="404187" cy="959558"/>
             </a:xfrm>
             <a:prstGeom prst="rect">
               <a:avLst/>
@@ -3779,14 +3951,14 @@
         </p:sp>
         <p:sp>
           <p:nvSpPr>
-            <p:cNvPr id="43" name="rc43"/>
-            <p:cNvSpPr/>
-            <p:nvPr/>
-          </p:nvSpPr>
-          <p:spPr>
-            <a:xfrm>
-              <a:off x="8025459" y="4309290"/>
-              <a:ext cx="404187" cy="916911"/>
+            <p:cNvPr id="47" name="rc47"/>
+            <p:cNvSpPr/>
+            <p:nvPr/>
+          </p:nvSpPr>
+          <p:spPr>
+            <a:xfrm>
+              <a:off x="8025459" y="4266643"/>
+              <a:ext cx="404187" cy="959558"/>
             </a:xfrm>
             <a:prstGeom prst="rect">
               <a:avLst/>
@@ -3805,14 +3977,14 @@
         </p:sp>
         <p:sp>
           <p:nvSpPr>
-            <p:cNvPr id="44" name="tx44"/>
-            <p:cNvSpPr/>
-            <p:nvPr/>
-          </p:nvSpPr>
-          <p:spPr>
-            <a:xfrm>
-              <a:off x="5003488" y="3211086"/>
-              <a:ext cx="160772" cy="103888"/>
+            <p:cNvPr id="48" name="tx48"/>
+            <p:cNvSpPr/>
+            <p:nvPr/>
+          </p:nvSpPr>
+          <p:spPr>
+            <a:xfrm>
+              <a:off x="5003488" y="2773451"/>
+              <a:ext cx="160772" cy="105723"/>
             </a:xfrm>
             <a:prstGeom prst="rect">
               <a:avLst/>
@@ -3844,20 +4016,20 @@
                   <a:latin typeface="Arial"/>
                   <a:cs typeface="Arial"/>
                 </a:rPr>
-                <a:t>27</a:t>
+                <a:t>31</a:t>
               </a:r>
             </a:p>
           </p:txBody>
         </p:sp>
         <p:sp>
           <p:nvSpPr>
-            <p:cNvPr id="45" name="tx45"/>
-            <p:cNvSpPr/>
-            <p:nvPr/>
-          </p:nvSpPr>
-          <p:spPr>
-            <a:xfrm>
-              <a:off x="4891095" y="3387464"/>
+            <p:cNvPr id="49" name="tx49"/>
+            <p:cNvSpPr/>
+            <p:nvPr/>
+          </p:nvSpPr>
+          <p:spPr>
+            <a:xfrm>
+              <a:off x="4891095" y="2951665"/>
               <a:ext cx="385557" cy="135647"/>
             </a:xfrm>
             <a:prstGeom prst="rect">
@@ -3890,21 +4062,21 @@
                   <a:latin typeface="Arial"/>
                   <a:cs typeface="Arial"/>
                 </a:rPr>
-                <a:t>(19%)</a:t>
+                <a:t>(22%)</a:t>
               </a:r>
             </a:p>
           </p:txBody>
         </p:sp>
         <p:sp>
           <p:nvSpPr>
-            <p:cNvPr id="46" name="tx46"/>
-            <p:cNvSpPr/>
-            <p:nvPr/>
-          </p:nvSpPr>
-          <p:spPr>
-            <a:xfrm>
-              <a:off x="5492778" y="4643760"/>
-              <a:ext cx="80386" cy="103888"/>
+            <p:cNvPr id="50" name="tx50"/>
+            <p:cNvSpPr/>
+            <p:nvPr/>
+          </p:nvSpPr>
+          <p:spPr>
+            <a:xfrm>
+              <a:off x="5492778" y="4564628"/>
+              <a:ext cx="80386" cy="105723"/>
             </a:xfrm>
             <a:prstGeom prst="rect">
               <a:avLst/>
@@ -3936,20 +4108,20 @@
                   <a:latin typeface="Arial"/>
                   <a:cs typeface="Arial"/>
                 </a:rPr>
-                <a:t>2</a:t>
+                <a:t>3</a:t>
               </a:r>
             </a:p>
           </p:txBody>
         </p:sp>
         <p:sp>
           <p:nvSpPr>
-            <p:cNvPr id="47" name="tx47"/>
-            <p:cNvSpPr/>
-            <p:nvPr/>
-          </p:nvSpPr>
-          <p:spPr>
-            <a:xfrm>
-              <a:off x="5380385" y="4820139"/>
+            <p:cNvPr id="51" name="tx51"/>
+            <p:cNvSpPr/>
+            <p:nvPr/>
+          </p:nvSpPr>
+          <p:spPr>
+            <a:xfrm>
+              <a:off x="5380385" y="4742841"/>
               <a:ext cx="305171" cy="135647"/>
             </a:xfrm>
             <a:prstGeom prst="rect">
@@ -3982,20 +4154,20 @@
                   <a:latin typeface="Arial"/>
                   <a:cs typeface="Arial"/>
                 </a:rPr>
-                <a:t>(1%)</a:t>
+                <a:t>(2%)</a:t>
               </a:r>
             </a:p>
           </p:txBody>
         </p:sp>
         <p:sp>
           <p:nvSpPr>
-            <p:cNvPr id="48" name="tx48"/>
-            <p:cNvSpPr/>
-            <p:nvPr/>
-          </p:nvSpPr>
-          <p:spPr>
-            <a:xfrm>
-              <a:off x="5941875" y="4298154"/>
+            <p:cNvPr id="52" name="tx52"/>
+            <p:cNvSpPr/>
+            <p:nvPr/>
+          </p:nvSpPr>
+          <p:spPr>
+            <a:xfrm>
+              <a:off x="5941875" y="4372787"/>
               <a:ext cx="80386" cy="105652"/>
             </a:xfrm>
             <a:prstGeom prst="rect">
@@ -4028,20 +4200,20 @@
                   <a:latin typeface="Arial"/>
                   <a:cs typeface="Arial"/>
                 </a:rPr>
-                <a:t>8</a:t>
+                <a:t>6</a:t>
               </a:r>
             </a:p>
           </p:txBody>
         </p:sp>
         <p:sp>
           <p:nvSpPr>
-            <p:cNvPr id="49" name="tx49"/>
-            <p:cNvSpPr/>
-            <p:nvPr/>
-          </p:nvSpPr>
-          <p:spPr>
-            <a:xfrm>
-              <a:off x="5829482" y="4476297"/>
+            <p:cNvPr id="53" name="tx53"/>
+            <p:cNvSpPr/>
+            <p:nvPr/>
+          </p:nvSpPr>
+          <p:spPr>
+            <a:xfrm>
+              <a:off x="5829482" y="4550929"/>
               <a:ext cx="305171" cy="135647"/>
             </a:xfrm>
             <a:prstGeom prst="rect">
@@ -4074,20 +4246,20 @@
                   <a:latin typeface="Arial"/>
                   <a:cs typeface="Arial"/>
                 </a:rPr>
-                <a:t>(6%)</a:t>
+                <a:t>(4%)</a:t>
               </a:r>
             </a:p>
           </p:txBody>
         </p:sp>
         <p:sp>
           <p:nvSpPr>
-            <p:cNvPr id="50" name="tx50"/>
-            <p:cNvSpPr/>
-            <p:nvPr/>
-          </p:nvSpPr>
-          <p:spPr>
-            <a:xfrm>
-              <a:off x="6390972" y="4358990"/>
+            <p:cNvPr id="54" name="tx54"/>
+            <p:cNvSpPr/>
+            <p:nvPr/>
+          </p:nvSpPr>
+          <p:spPr>
+            <a:xfrm>
+              <a:off x="6390972" y="4312345"/>
               <a:ext cx="80386" cy="102123"/>
             </a:xfrm>
             <a:prstGeom prst="rect">
@@ -4127,13 +4299,13 @@
         </p:sp>
         <p:sp>
           <p:nvSpPr>
-            <p:cNvPr id="51" name="tx51"/>
-            <p:cNvSpPr/>
-            <p:nvPr/>
-          </p:nvSpPr>
-          <p:spPr>
-            <a:xfrm>
-              <a:off x="6278579" y="4533604"/>
+            <p:cNvPr id="55" name="tx55"/>
+            <p:cNvSpPr/>
+            <p:nvPr/>
+          </p:nvSpPr>
+          <p:spPr>
+            <a:xfrm>
+              <a:off x="6278579" y="4486959"/>
               <a:ext cx="305171" cy="135647"/>
             </a:xfrm>
             <a:prstGeom prst="rect">
@@ -4173,14 +4345,14 @@
         </p:sp>
         <p:sp>
           <p:nvSpPr>
-            <p:cNvPr id="52" name="tx52"/>
-            <p:cNvSpPr/>
-            <p:nvPr/>
-          </p:nvSpPr>
-          <p:spPr>
-            <a:xfrm>
-              <a:off x="6799876" y="2005875"/>
-              <a:ext cx="160772" cy="105652"/>
+            <p:cNvPr id="56" name="tx56"/>
+            <p:cNvSpPr/>
+            <p:nvPr/>
+          </p:nvSpPr>
+          <p:spPr>
+            <a:xfrm>
+              <a:off x="6799876" y="2005804"/>
+              <a:ext cx="160772" cy="105723"/>
             </a:xfrm>
             <a:prstGeom prst="rect">
               <a:avLst/>
@@ -4212,14 +4384,14 @@
                   <a:latin typeface="Arial"/>
                   <a:cs typeface="Arial"/>
                 </a:rPr>
-                <a:t>48</a:t>
+                <a:t>43</a:t>
               </a:r>
             </a:p>
           </p:txBody>
         </p:sp>
         <p:sp>
           <p:nvSpPr>
-            <p:cNvPr id="53" name="tx53"/>
+            <p:cNvPr id="57" name="tx57"/>
             <p:cNvSpPr/>
             <p:nvPr/>
           </p:nvSpPr>
@@ -4258,21 +4430,21 @@
                   <a:latin typeface="Arial"/>
                   <a:cs typeface="Arial"/>
                 </a:rPr>
-                <a:t>(33%)</a:t>
+                <a:t>(30%)</a:t>
               </a:r>
             </a:p>
           </p:txBody>
         </p:sp>
         <p:sp>
           <p:nvSpPr>
-            <p:cNvPr id="54" name="tx54"/>
-            <p:cNvSpPr/>
-            <p:nvPr/>
-          </p:nvSpPr>
-          <p:spPr>
-            <a:xfrm>
-              <a:off x="7248973" y="3667777"/>
-              <a:ext cx="160772" cy="105652"/>
+            <p:cNvPr id="58" name="tx58"/>
+            <p:cNvSpPr/>
+            <p:nvPr/>
+          </p:nvSpPr>
+          <p:spPr>
+            <a:xfrm>
+              <a:off x="7248973" y="3414992"/>
+              <a:ext cx="160772" cy="103888"/>
             </a:xfrm>
             <a:prstGeom prst="rect">
               <a:avLst/>
@@ -4304,20 +4476,20 @@
                   <a:latin typeface="Arial"/>
                   <a:cs typeface="Arial"/>
                 </a:rPr>
-                <a:t>19</a:t>
+                <a:t>21</a:t>
               </a:r>
             </a:p>
           </p:txBody>
         </p:sp>
         <p:sp>
           <p:nvSpPr>
-            <p:cNvPr id="55" name="tx55"/>
-            <p:cNvSpPr/>
-            <p:nvPr/>
-          </p:nvSpPr>
-          <p:spPr>
-            <a:xfrm>
-              <a:off x="7136580" y="3845920"/>
+            <p:cNvPr id="59" name="tx59"/>
+            <p:cNvSpPr/>
+            <p:nvPr/>
+          </p:nvSpPr>
+          <p:spPr>
+            <a:xfrm>
+              <a:off x="7136580" y="3591371"/>
               <a:ext cx="385557" cy="135647"/>
             </a:xfrm>
             <a:prstGeom prst="rect">
@@ -4350,21 +4522,21 @@
                   <a:latin typeface="Arial"/>
                   <a:cs typeface="Arial"/>
                 </a:rPr>
-                <a:t>(13%)</a:t>
+                <a:t>(15%)</a:t>
               </a:r>
             </a:p>
           </p:txBody>
         </p:sp>
         <p:sp>
           <p:nvSpPr>
-            <p:cNvPr id="56" name="tx56"/>
-            <p:cNvSpPr/>
-            <p:nvPr/>
-          </p:nvSpPr>
-          <p:spPr>
-            <a:xfrm>
-              <a:off x="7698070" y="3784156"/>
-              <a:ext cx="160772" cy="103888"/>
+            <p:cNvPr id="60" name="tx60"/>
+            <p:cNvSpPr/>
+            <p:nvPr/>
+          </p:nvSpPr>
+          <p:spPr>
+            <a:xfrm>
+              <a:off x="7698070" y="3797051"/>
+              <a:ext cx="160772" cy="105652"/>
             </a:xfrm>
             <a:prstGeom prst="rect">
               <a:avLst/>
@@ -4396,112 +4568,20 @@
                   <a:latin typeface="Arial"/>
                   <a:cs typeface="Arial"/>
                 </a:rPr>
-                <a:t>17</a:t>
+                <a:t>15</a:t>
               </a:r>
             </a:p>
           </p:txBody>
         </p:sp>
         <p:sp>
           <p:nvSpPr>
-            <p:cNvPr id="57" name="tx57"/>
-            <p:cNvSpPr/>
-            <p:nvPr/>
-          </p:nvSpPr>
-          <p:spPr>
-            <a:xfrm>
-              <a:off x="7585677" y="3960534"/>
-              <a:ext cx="385557" cy="135647"/>
-            </a:xfrm>
-            <a:prstGeom prst="rect">
-              <a:avLst/>
-            </a:prstGeom>
-            <a:noFill/>
-          </p:spPr>
-          <p:txBody>
-            <a:bodyPr lIns="0" rIns="0" tIns="0" bIns="0" anchorCtr="1" anchor="ctr" wrap="none"/>
-            <a:lstStyle/>
-            <a:p>
-              <a:pPr algn="l" marL="0" marR="0" indent="0">
-                <a:lnSpc>
-                  <a:spcPts val="1138"/>
-                </a:lnSpc>
-                <a:spcBef>
-                  <a:spcPts val="0"/>
-                </a:spcBef>
-                <a:spcAft>
-                  <a:spcPts val="0"/>
-                </a:spcAft>
-              </a:pPr>
-              <a:r>
-                <a:rPr sz="1138">
-                  <a:solidFill>
-                    <a:srgbClr val="000000">
-                      <a:alpha val="100000"/>
-                    </a:srgbClr>
-                  </a:solidFill>
-                  <a:latin typeface="Arial"/>
-                  <a:cs typeface="Arial"/>
-                </a:rPr>
-                <a:t>(12%)</a:t>
-              </a:r>
-            </a:p>
-          </p:txBody>
-        </p:sp>
-        <p:sp>
-          <p:nvSpPr>
-            <p:cNvPr id="58" name="tx58"/>
-            <p:cNvSpPr/>
-            <p:nvPr/>
-          </p:nvSpPr>
-          <p:spPr>
-            <a:xfrm>
-              <a:off x="8147167" y="3839698"/>
-              <a:ext cx="160772" cy="105652"/>
-            </a:xfrm>
-            <a:prstGeom prst="rect">
-              <a:avLst/>
-            </a:prstGeom>
-            <a:noFill/>
-          </p:spPr>
-          <p:txBody>
-            <a:bodyPr lIns="0" rIns="0" tIns="0" bIns="0" anchorCtr="1" anchor="ctr" wrap="none"/>
-            <a:lstStyle/>
-            <a:p>
-              <a:pPr algn="l" marL="0" marR="0" indent="0">
-                <a:lnSpc>
-                  <a:spcPts val="1138"/>
-                </a:lnSpc>
-                <a:spcBef>
-                  <a:spcPts val="0"/>
-                </a:spcBef>
-                <a:spcAft>
-                  <a:spcPts val="0"/>
-                </a:spcAft>
-              </a:pPr>
-              <a:r>
-                <a:rPr sz="1138">
-                  <a:solidFill>
-                    <a:srgbClr val="000000">
-                      <a:alpha val="100000"/>
-                    </a:srgbClr>
-                  </a:solidFill>
-                  <a:latin typeface="Arial"/>
-                  <a:cs typeface="Arial"/>
-                </a:rPr>
-                <a:t>16</a:t>
-              </a:r>
-            </a:p>
-          </p:txBody>
-        </p:sp>
-        <p:sp>
-          <p:nvSpPr>
-            <p:cNvPr id="59" name="tx59"/>
-            <p:cNvSpPr/>
-            <p:nvPr/>
-          </p:nvSpPr>
-          <p:spPr>
-            <a:xfrm>
-              <a:off x="8034774" y="4017841"/>
+            <p:cNvPr id="61" name="tx61"/>
+            <p:cNvSpPr/>
+            <p:nvPr/>
+          </p:nvSpPr>
+          <p:spPr>
+            <a:xfrm>
+              <a:off x="7585677" y="3975194"/>
               <a:ext cx="385557" cy="135647"/>
             </a:xfrm>
             <a:prstGeom prst="rect">
@@ -4541,7 +4621,99 @@
         </p:sp>
         <p:sp>
           <p:nvSpPr>
-            <p:cNvPr id="60" name="pl60"/>
+            <p:cNvPr id="62" name="tx62"/>
+            <p:cNvSpPr/>
+            <p:nvPr/>
+          </p:nvSpPr>
+          <p:spPr>
+            <a:xfrm>
+              <a:off x="8147167" y="3797051"/>
+              <a:ext cx="160772" cy="105652"/>
+            </a:xfrm>
+            <a:prstGeom prst="rect">
+              <a:avLst/>
+            </a:prstGeom>
+            <a:noFill/>
+          </p:spPr>
+          <p:txBody>
+            <a:bodyPr lIns="0" rIns="0" tIns="0" bIns="0" anchorCtr="1" anchor="ctr" wrap="none"/>
+            <a:lstStyle/>
+            <a:p>
+              <a:pPr algn="l" marL="0" marR="0" indent="0">
+                <a:lnSpc>
+                  <a:spcPts val="1138"/>
+                </a:lnSpc>
+                <a:spcBef>
+                  <a:spcPts val="0"/>
+                </a:spcBef>
+                <a:spcAft>
+                  <a:spcPts val="0"/>
+                </a:spcAft>
+              </a:pPr>
+              <a:r>
+                <a:rPr sz="1138">
+                  <a:solidFill>
+                    <a:srgbClr val="000000">
+                      <a:alpha val="100000"/>
+                    </a:srgbClr>
+                  </a:solidFill>
+                  <a:latin typeface="Arial"/>
+                  <a:cs typeface="Arial"/>
+                </a:rPr>
+                <a:t>15</a:t>
+              </a:r>
+            </a:p>
+          </p:txBody>
+        </p:sp>
+        <p:sp>
+          <p:nvSpPr>
+            <p:cNvPr id="63" name="tx63"/>
+            <p:cNvSpPr/>
+            <p:nvPr/>
+          </p:nvSpPr>
+          <p:spPr>
+            <a:xfrm>
+              <a:off x="8034774" y="3975194"/>
+              <a:ext cx="385557" cy="135647"/>
+            </a:xfrm>
+            <a:prstGeom prst="rect">
+              <a:avLst/>
+            </a:prstGeom>
+            <a:noFill/>
+          </p:spPr>
+          <p:txBody>
+            <a:bodyPr lIns="0" rIns="0" tIns="0" bIns="0" anchorCtr="1" anchor="ctr" wrap="none"/>
+            <a:lstStyle/>
+            <a:p>
+              <a:pPr algn="l" marL="0" marR="0" indent="0">
+                <a:lnSpc>
+                  <a:spcPts val="1138"/>
+                </a:lnSpc>
+                <a:spcBef>
+                  <a:spcPts val="0"/>
+                </a:spcBef>
+                <a:spcAft>
+                  <a:spcPts val="0"/>
+                </a:spcAft>
+              </a:pPr>
+              <a:r>
+                <a:rPr sz="1138">
+                  <a:solidFill>
+                    <a:srgbClr val="000000">
+                      <a:alpha val="100000"/>
+                    </a:srgbClr>
+                  </a:solidFill>
+                  <a:latin typeface="Arial"/>
+                  <a:cs typeface="Arial"/>
+                </a:rPr>
+                <a:t>(11%)</a:t>
+              </a:r>
+            </a:p>
+          </p:txBody>
+        </p:sp>
+        <p:sp>
+          <p:nvSpPr>
+            <p:cNvPr id="64" name="pl64"/>
             <p:cNvSpPr/>
             <p:nvPr/>
           </p:nvSpPr>
@@ -4581,7 +4753,7 @@
         </p:sp>
         <p:sp>
           <p:nvSpPr>
-            <p:cNvPr id="61" name="tx61"/>
+            <p:cNvPr id="65" name="tx65"/>
             <p:cNvSpPr/>
             <p:nvPr/>
           </p:nvSpPr>
@@ -4627,13 +4799,59 @@
         </p:sp>
         <p:sp>
           <p:nvSpPr>
-            <p:cNvPr id="62" name="tx62"/>
-            <p:cNvSpPr/>
-            <p:nvPr/>
-          </p:nvSpPr>
-          <p:spPr>
-            <a:xfrm>
-              <a:off x="4562659" y="4023209"/>
+            <p:cNvPr id="66" name="tx66"/>
+            <p:cNvSpPr/>
+            <p:nvPr/>
+          </p:nvSpPr>
+          <p:spPr>
+            <a:xfrm>
+              <a:off x="4562659" y="4529643"/>
+              <a:ext cx="169515" cy="111397"/>
+            </a:xfrm>
+            <a:prstGeom prst="rect">
+              <a:avLst/>
+            </a:prstGeom>
+            <a:noFill/>
+          </p:spPr>
+          <p:txBody>
+            <a:bodyPr lIns="0" rIns="0" tIns="0" bIns="0" anchorCtr="1" anchor="ctr" wrap="none"/>
+            <a:lstStyle/>
+            <a:p>
+              <a:pPr algn="l" marL="0" marR="0" indent="0">
+                <a:lnSpc>
+                  <a:spcPts val="1200"/>
+                </a:lnSpc>
+                <a:spcBef>
+                  <a:spcPts val="0"/>
+                </a:spcBef>
+                <a:spcAft>
+                  <a:spcPts val="0"/>
+                </a:spcAft>
+              </a:pPr>
+              <a:r>
+                <a:rPr sz="1200">
+                  <a:solidFill>
+                    <a:srgbClr val="000000">
+                      <a:alpha val="100000"/>
+                    </a:srgbClr>
+                  </a:solidFill>
+                  <a:latin typeface="Arial"/>
+                  <a:cs typeface="Arial"/>
+                </a:rPr>
+                <a:t>10</a:t>
+              </a:r>
+            </a:p>
+          </p:txBody>
+        </p:sp>
+        <p:sp>
+          <p:nvSpPr>
+            <p:cNvPr id="67" name="tx67"/>
+            <p:cNvSpPr/>
+            <p:nvPr/>
+          </p:nvSpPr>
+          <p:spPr>
+            <a:xfrm>
+              <a:off x="4562659" y="3889937"/>
               <a:ext cx="169515" cy="111397"/>
             </a:xfrm>
             <a:prstGeom prst="rect">
@@ -4673,13 +4891,59 @@
         </p:sp>
         <p:sp>
           <p:nvSpPr>
-            <p:cNvPr id="63" name="tx63"/>
-            <p:cNvSpPr/>
-            <p:nvPr/>
-          </p:nvSpPr>
-          <p:spPr>
-            <a:xfrm>
-              <a:off x="4562659" y="2877070"/>
+            <p:cNvPr id="68" name="tx68"/>
+            <p:cNvSpPr/>
+            <p:nvPr/>
+          </p:nvSpPr>
+          <p:spPr>
+            <a:xfrm>
+              <a:off x="4562659" y="3250157"/>
+              <a:ext cx="169515" cy="111472"/>
+            </a:xfrm>
+            <a:prstGeom prst="rect">
+              <a:avLst/>
+            </a:prstGeom>
+            <a:noFill/>
+          </p:spPr>
+          <p:txBody>
+            <a:bodyPr lIns="0" rIns="0" tIns="0" bIns="0" anchorCtr="1" anchor="ctr" wrap="none"/>
+            <a:lstStyle/>
+            <a:p>
+              <a:pPr algn="l" marL="0" marR="0" indent="0">
+                <a:lnSpc>
+                  <a:spcPts val="1200"/>
+                </a:lnSpc>
+                <a:spcBef>
+                  <a:spcPts val="0"/>
+                </a:spcBef>
+                <a:spcAft>
+                  <a:spcPts val="0"/>
+                </a:spcAft>
+              </a:pPr>
+              <a:r>
+                <a:rPr sz="1200">
+                  <a:solidFill>
+                    <a:srgbClr val="000000">
+                      <a:alpha val="100000"/>
+                    </a:srgbClr>
+                  </a:solidFill>
+                  <a:latin typeface="Arial"/>
+                  <a:cs typeface="Arial"/>
+                </a:rPr>
+                <a:t>30</a:t>
+              </a:r>
+            </a:p>
+          </p:txBody>
+        </p:sp>
+        <p:sp>
+          <p:nvSpPr>
+            <p:cNvPr id="69" name="tx69"/>
+            <p:cNvSpPr/>
+            <p:nvPr/>
+          </p:nvSpPr>
+          <p:spPr>
+            <a:xfrm>
+              <a:off x="4562659" y="2610526"/>
               <a:ext cx="169515" cy="111397"/>
             </a:xfrm>
             <a:prstGeom prst="rect">
@@ -4719,13 +4983,13 @@
         </p:sp>
         <p:sp>
           <p:nvSpPr>
-            <p:cNvPr id="64" name="tx64"/>
-            <p:cNvSpPr/>
-            <p:nvPr/>
-          </p:nvSpPr>
-          <p:spPr>
-            <a:xfrm>
-              <a:off x="4562659" y="1730930"/>
+            <p:cNvPr id="70" name="tx70"/>
+            <p:cNvSpPr/>
+            <p:nvPr/>
+          </p:nvSpPr>
+          <p:spPr>
+            <a:xfrm>
+              <a:off x="4562659" y="1970820"/>
               <a:ext cx="169515" cy="111397"/>
             </a:xfrm>
             <a:prstGeom prst="rect">
@@ -4758,14 +5022,14 @@
                   <a:latin typeface="Arial"/>
                   <a:cs typeface="Arial"/>
                 </a:rPr>
-                <a:t>60</a:t>
+                <a:t>50</a:t>
               </a:r>
             </a:p>
           </p:txBody>
         </p:sp>
         <p:sp>
           <p:nvSpPr>
-            <p:cNvPr id="65" name="pl65"/>
+            <p:cNvPr id="71" name="pl71"/>
             <p:cNvSpPr/>
             <p:nvPr/>
           </p:nvSpPr>
@@ -4805,13 +5069,13 @@
         </p:sp>
         <p:sp>
           <p:nvSpPr>
-            <p:cNvPr id="66" name="pl66"/>
-            <p:cNvSpPr/>
-            <p:nvPr/>
-          </p:nvSpPr>
-          <p:spPr>
-            <a:xfrm>
-              <a:off x="4770132" y="4080062"/>
+            <p:cNvPr id="72" name="pl72"/>
+            <p:cNvSpPr/>
+            <p:nvPr/>
+          </p:nvSpPr>
+          <p:spPr>
+            <a:xfrm>
+              <a:off x="4770132" y="4586495"/>
               <a:ext cx="44283" cy="0"/>
             </a:xfrm>
             <a:custGeom>
@@ -4845,13 +5109,13 @@
         </p:sp>
         <p:sp>
           <p:nvSpPr>
-            <p:cNvPr id="67" name="pl67"/>
-            <p:cNvSpPr/>
-            <p:nvPr/>
-          </p:nvSpPr>
-          <p:spPr>
-            <a:xfrm>
-              <a:off x="4770132" y="2933922"/>
+            <p:cNvPr id="73" name="pl73"/>
+            <p:cNvSpPr/>
+            <p:nvPr/>
+          </p:nvSpPr>
+          <p:spPr>
+            <a:xfrm>
+              <a:off x="4770132" y="3946790"/>
               <a:ext cx="44283" cy="0"/>
             </a:xfrm>
             <a:custGeom>
@@ -4885,13 +5149,13 @@
         </p:sp>
         <p:sp>
           <p:nvSpPr>
-            <p:cNvPr id="68" name="pl68"/>
-            <p:cNvSpPr/>
-            <p:nvPr/>
-          </p:nvSpPr>
-          <p:spPr>
-            <a:xfrm>
-              <a:off x="4770132" y="1787783"/>
+            <p:cNvPr id="74" name="pl74"/>
+            <p:cNvSpPr/>
+            <p:nvPr/>
+          </p:nvSpPr>
+          <p:spPr>
+            <a:xfrm>
+              <a:off x="4770132" y="3307084"/>
               <a:ext cx="44283" cy="0"/>
             </a:xfrm>
             <a:custGeom>
@@ -4925,7 +5189,87 @@
         </p:sp>
         <p:sp>
           <p:nvSpPr>
-            <p:cNvPr id="69" name="pl69"/>
+            <p:cNvPr id="75" name="pl75"/>
+            <p:cNvSpPr/>
+            <p:nvPr/>
+          </p:nvSpPr>
+          <p:spPr>
+            <a:xfrm>
+              <a:off x="4770132" y="2667378"/>
+              <a:ext cx="44283" cy="0"/>
+            </a:xfrm>
+            <a:custGeom>
+              <a:avLst/>
+              <a:pathLst>
+                <a:path w="44283" h="0">
+                  <a:moveTo>
+                    <a:pt x="0" y="0"/>
+                  </a:moveTo>
+                  <a:lnTo>
+                    <a:pt x="44283" y="0"/>
+                  </a:lnTo>
+                </a:path>
+              </a:pathLst>
+            </a:custGeom>
+            <a:ln w="13550" cap="flat">
+              <a:solidFill>
+                <a:srgbClr val="000000">
+                  <a:alpha val="100000"/>
+                </a:srgbClr>
+              </a:solidFill>
+              <a:prstDash val="solid"/>
+              <a:round/>
+            </a:ln>
+          </p:spPr>
+          <p:txBody>
+            <a:bodyPr/>
+            <a:lstStyle/>
+            <a:p/>
+          </p:txBody>
+        </p:sp>
+        <p:sp>
+          <p:nvSpPr>
+            <p:cNvPr id="76" name="pl76"/>
+            <p:cNvSpPr/>
+            <p:nvPr/>
+          </p:nvSpPr>
+          <p:spPr>
+            <a:xfrm>
+              <a:off x="4770132" y="2027672"/>
+              <a:ext cx="44283" cy="0"/>
+            </a:xfrm>
+            <a:custGeom>
+              <a:avLst/>
+              <a:pathLst>
+                <a:path w="44283" h="0">
+                  <a:moveTo>
+                    <a:pt x="0" y="0"/>
+                  </a:moveTo>
+                  <a:lnTo>
+                    <a:pt x="44283" y="0"/>
+                  </a:lnTo>
+                </a:path>
+              </a:pathLst>
+            </a:custGeom>
+            <a:ln w="13550" cap="flat">
+              <a:solidFill>
+                <a:srgbClr val="000000">
+                  <a:alpha val="100000"/>
+                </a:srgbClr>
+              </a:solidFill>
+              <a:prstDash val="solid"/>
+              <a:round/>
+            </a:ln>
+          </p:spPr>
+          <p:txBody>
+            <a:bodyPr/>
+            <a:lstStyle/>
+            <a:p/>
+          </p:txBody>
+        </p:sp>
+        <p:sp>
+          <p:nvSpPr>
+            <p:cNvPr id="77" name="pl77"/>
             <p:cNvSpPr/>
             <p:nvPr/>
           </p:nvSpPr>
@@ -4965,7 +5309,7 @@
         </p:sp>
         <p:sp>
           <p:nvSpPr>
-            <p:cNvPr id="70" name="pl70"/>
+            <p:cNvPr id="78" name="pl78"/>
             <p:cNvSpPr/>
             <p:nvPr/>
           </p:nvSpPr>
@@ -5005,7 +5349,7 @@
         </p:sp>
         <p:sp>
           <p:nvSpPr>
-            <p:cNvPr id="71" name="pl71"/>
+            <p:cNvPr id="79" name="pl79"/>
             <p:cNvSpPr/>
             <p:nvPr/>
           </p:nvSpPr>
@@ -5045,7 +5389,7 @@
         </p:sp>
         <p:sp>
           <p:nvSpPr>
-            <p:cNvPr id="72" name="pl72"/>
+            <p:cNvPr id="80" name="pl80"/>
             <p:cNvSpPr/>
             <p:nvPr/>
           </p:nvSpPr>
@@ -5085,7 +5429,7 @@
         </p:sp>
         <p:sp>
           <p:nvSpPr>
-            <p:cNvPr id="73" name="pl73"/>
+            <p:cNvPr id="81" name="pl81"/>
             <p:cNvSpPr/>
             <p:nvPr/>
           </p:nvSpPr>
@@ -5125,7 +5469,7 @@
         </p:sp>
         <p:sp>
           <p:nvSpPr>
-            <p:cNvPr id="74" name="pl74"/>
+            <p:cNvPr id="82" name="pl82"/>
             <p:cNvSpPr/>
             <p:nvPr/>
           </p:nvSpPr>
@@ -5165,7 +5509,7 @@
         </p:sp>
         <p:sp>
           <p:nvSpPr>
-            <p:cNvPr id="75" name="pl75"/>
+            <p:cNvPr id="83" name="pl83"/>
             <p:cNvSpPr/>
             <p:nvPr/>
           </p:nvSpPr>
@@ -5205,7 +5549,7 @@
         </p:sp>
         <p:sp>
           <p:nvSpPr>
-            <p:cNvPr id="76" name="pl76"/>
+            <p:cNvPr id="84" name="pl84"/>
             <p:cNvSpPr/>
             <p:nvPr/>
           </p:nvSpPr>
@@ -5245,7 +5589,7 @@
         </p:sp>
         <p:sp>
           <p:nvSpPr>
-            <p:cNvPr id="77" name="pl77"/>
+            <p:cNvPr id="85" name="pl85"/>
             <p:cNvSpPr/>
             <p:nvPr/>
           </p:nvSpPr>
@@ -5285,7 +5629,7 @@
         </p:sp>
         <p:sp>
           <p:nvSpPr>
-            <p:cNvPr id="78" name="tx78"/>
+            <p:cNvPr id="86" name="tx86"/>
             <p:cNvSpPr/>
             <p:nvPr/>
           </p:nvSpPr>
@@ -5331,7 +5675,7 @@
         </p:sp>
         <p:sp>
           <p:nvSpPr>
-            <p:cNvPr id="79" name="tx79"/>
+            <p:cNvPr id="87" name="tx87"/>
             <p:cNvSpPr/>
             <p:nvPr/>
           </p:nvSpPr>
@@ -5377,7 +5721,7 @@
         </p:sp>
         <p:sp>
           <p:nvSpPr>
-            <p:cNvPr id="80" name="tx80"/>
+            <p:cNvPr id="88" name="tx88"/>
             <p:cNvSpPr/>
             <p:nvPr/>
           </p:nvSpPr>
@@ -5423,7 +5767,7 @@
         </p:sp>
         <p:sp>
           <p:nvSpPr>
-            <p:cNvPr id="81" name="tx81"/>
+            <p:cNvPr id="89" name="tx89"/>
             <p:cNvSpPr/>
             <p:nvPr/>
           </p:nvSpPr>
@@ -5469,7 +5813,7 @@
         </p:sp>
         <p:sp>
           <p:nvSpPr>
-            <p:cNvPr id="82" name="tx82"/>
+            <p:cNvPr id="90" name="tx90"/>
             <p:cNvSpPr/>
             <p:nvPr/>
           </p:nvSpPr>
@@ -5515,7 +5859,7 @@
         </p:sp>
         <p:sp>
           <p:nvSpPr>
-            <p:cNvPr id="83" name="tx83"/>
+            <p:cNvPr id="91" name="tx91"/>
             <p:cNvSpPr/>
             <p:nvPr/>
           </p:nvSpPr>
@@ -5561,7 +5905,7 @@
         </p:sp>
         <p:sp>
           <p:nvSpPr>
-            <p:cNvPr id="84" name="tx84"/>
+            <p:cNvPr id="92" name="tx92"/>
             <p:cNvSpPr/>
             <p:nvPr/>
           </p:nvSpPr>
@@ -5607,7 +5951,7 @@
         </p:sp>
         <p:sp>
           <p:nvSpPr>
-            <p:cNvPr id="85" name="tx85"/>
+            <p:cNvPr id="93" name="tx93"/>
             <p:cNvSpPr/>
             <p:nvPr/>
           </p:nvSpPr>
@@ -5653,7 +5997,7 @@
         </p:sp>
         <p:sp>
           <p:nvSpPr>
-            <p:cNvPr id="86" name="tx86"/>
+            <p:cNvPr id="94" name="tx94"/>
             <p:cNvSpPr/>
             <p:nvPr/>
           </p:nvSpPr>
@@ -5699,7 +6043,7 @@
         </p:sp>
         <p:sp>
           <p:nvSpPr>
-            <p:cNvPr id="87" name="tx87"/>
+            <p:cNvPr id="95" name="tx95"/>
             <p:cNvSpPr/>
             <p:nvPr/>
           </p:nvSpPr>
@@ -5738,14 +6082,14 @@
                   <a:latin typeface="Arial"/>
                   <a:cs typeface="Arial"/>
                 </a:rPr>
-                <a:t>Time not working because of the illness (N=144).</a:t>
+                <a:t>Time not working because of the illness (N=141).</a:t>
               </a:r>
             </a:p>
           </p:txBody>
         </p:sp>
         <p:sp>
           <p:nvSpPr>
-            <p:cNvPr id="88" name="tx88"/>
+            <p:cNvPr id="96" name="tx96"/>
             <p:cNvSpPr/>
             <p:nvPr/>
           </p:nvSpPr>
